--- a/figures/Ex Fig 4.pptx
+++ b/figures/Ex Fig 4.pptx
@@ -5,10 +5,11 @@
     <p:sldMasterId id="2147483696" r:id="rId1"/>
   </p:sldMasterIdLst>
   <p:notesMasterIdLst>
-    <p:notesMasterId r:id="rId3"/>
+    <p:notesMasterId r:id="rId4"/>
   </p:notesMasterIdLst>
   <p:sldIdLst>
     <p:sldId id="261" r:id="rId2"/>
+    <p:sldId id="262" r:id="rId3"/>
   </p:sldIdLst>
   <p:sldSz cx="13320713" cy="8999538"/>
   <p:notesSz cx="6858000" cy="9144000"/>
@@ -197,7 +198,7 @@
           <a:p>
             <a:fld id="{B19977C2-3852-6343-8FB6-75798599EF47}" type="datetimeFigureOut">
               <a:rPr lang="en-US" smtClean="0"/>
-              <a:t>9/5/24</a:t>
+              <a:t>9/12/24</a:t>
             </a:fld>
             <a:endParaRPr lang="en-US"/>
           </a:p>
@@ -553,6 +554,119 @@
 </p:notes>
 </file>
 
+<file path=ppt/notesSlides/notesSlide2.xml><?xml version="1.0" encoding="utf-8"?>
+<p:notes xmlns:a="http://schemas.openxmlformats.org/drawingml/2006/main" xmlns:r="http://schemas.openxmlformats.org/officeDocument/2006/relationships" xmlns:p="http://schemas.openxmlformats.org/presentationml/2006/main">
+  <p:cSld>
+    <p:spTree>
+      <p:nvGrpSpPr>
+        <p:cNvPr id="1" name="">
+          <a:extLst>
+            <a:ext uri="{FF2B5EF4-FFF2-40B4-BE49-F238E27FC236}">
+              <a16:creationId xmlns:a16="http://schemas.microsoft.com/office/drawing/2014/main" id="{EA3F114C-AC9C-9443-710F-5FF42ED32867}"/>
+            </a:ext>
+          </a:extLst>
+        </p:cNvPr>
+        <p:cNvGrpSpPr/>
+        <p:nvPr/>
+      </p:nvGrpSpPr>
+      <p:grpSpPr>
+        <a:xfrm>
+          <a:off x="0" y="0"/>
+          <a:ext cx="0" cy="0"/>
+          <a:chOff x="0" y="0"/>
+          <a:chExt cx="0" cy="0"/>
+        </a:xfrm>
+      </p:grpSpPr>
+      <p:sp>
+        <p:nvSpPr>
+          <p:cNvPr id="2" name="Slide Image Placeholder 1">
+            <a:extLst>
+              <a:ext uri="{FF2B5EF4-FFF2-40B4-BE49-F238E27FC236}">
+                <a16:creationId xmlns:a16="http://schemas.microsoft.com/office/drawing/2014/main" id="{B6257645-4A32-746C-BE3F-D21BFF4BE0AB}"/>
+              </a:ext>
+            </a:extLst>
+          </p:cNvPr>
+          <p:cNvSpPr>
+            <a:spLocks noGrp="1" noRot="1" noChangeAspect="1"/>
+          </p:cNvSpPr>
+          <p:nvPr>
+            <p:ph type="sldImg"/>
+          </p:nvPr>
+        </p:nvSpPr>
+        <p:spPr>
+          <a:xfrm>
+            <a:off x="1146175" y="1143000"/>
+            <a:ext cx="4565650" cy="3086100"/>
+          </a:xfrm>
+        </p:spPr>
+      </p:sp>
+      <p:sp>
+        <p:nvSpPr>
+          <p:cNvPr id="3" name="Notes Placeholder 2">
+            <a:extLst>
+              <a:ext uri="{FF2B5EF4-FFF2-40B4-BE49-F238E27FC236}">
+                <a16:creationId xmlns:a16="http://schemas.microsoft.com/office/drawing/2014/main" id="{2E611AA8-AEA5-D652-2AC3-4D05C97CB797}"/>
+              </a:ext>
+            </a:extLst>
+          </p:cNvPr>
+          <p:cNvSpPr>
+            <a:spLocks noGrp="1"/>
+          </p:cNvSpPr>
+          <p:nvPr>
+            <p:ph type="body" idx="1"/>
+          </p:nvPr>
+        </p:nvSpPr>
+        <p:spPr/>
+        <p:txBody>
+          <a:bodyPr/>
+          <a:lstStyle/>
+          <a:p>
+            <a:endParaRPr lang="en-US" dirty="0"/>
+          </a:p>
+        </p:txBody>
+      </p:sp>
+      <p:sp>
+        <p:nvSpPr>
+          <p:cNvPr id="4" name="Slide Number Placeholder 3">
+            <a:extLst>
+              <a:ext uri="{FF2B5EF4-FFF2-40B4-BE49-F238E27FC236}">
+                <a16:creationId xmlns:a16="http://schemas.microsoft.com/office/drawing/2014/main" id="{CD8738D1-D0A3-F954-ACC7-4B64D33B0FAA}"/>
+              </a:ext>
+            </a:extLst>
+          </p:cNvPr>
+          <p:cNvSpPr>
+            <a:spLocks noGrp="1"/>
+          </p:cNvSpPr>
+          <p:nvPr>
+            <p:ph type="sldNum" sz="quarter" idx="5"/>
+          </p:nvPr>
+        </p:nvSpPr>
+        <p:spPr/>
+        <p:txBody>
+          <a:bodyPr/>
+          <a:lstStyle/>
+          <a:p>
+            <a:fld id="{2F555F2B-D280-0548-9DA4-50222134F4CC}" type="slidenum">
+              <a:rPr lang="en-US" smtClean="0"/>
+              <a:t>2</a:t>
+            </a:fld>
+            <a:endParaRPr lang="en-US"/>
+          </a:p>
+        </p:txBody>
+      </p:sp>
+    </p:spTree>
+    <p:extLst>
+      <p:ext uri="{BB962C8B-B14F-4D97-AF65-F5344CB8AC3E}">
+        <p14:creationId xmlns:p14="http://schemas.microsoft.com/office/powerpoint/2010/main" val="2763827298"/>
+      </p:ext>
+    </p:extLst>
+  </p:cSld>
+  <p:clrMapOvr>
+    <a:masterClrMapping/>
+  </p:clrMapOvr>
+</p:notes>
+</file>
+
 <file path=ppt/slideLayouts/slideLayout1.xml><?xml version="1.0" encoding="utf-8"?>
 <p:sldLayout xmlns:a="http://schemas.openxmlformats.org/drawingml/2006/main" xmlns:r="http://schemas.openxmlformats.org/officeDocument/2006/relationships" xmlns:p="http://schemas.openxmlformats.org/presentationml/2006/main" type="title" preserve="1">
   <p:cSld name="Title Slide">
@@ -684,7 +798,7 @@
           <a:p>
             <a:fld id="{49D16157-31ED-214D-A6E8-583A2FDE31BF}" type="datetimeFigureOut">
               <a:rPr lang="en-US" smtClean="0"/>
-              <a:t>9/5/24</a:t>
+              <a:t>9/12/24</a:t>
             </a:fld>
             <a:endParaRPr lang="en-US"/>
           </a:p>
@@ -854,7 +968,7 @@
           <a:p>
             <a:fld id="{49D16157-31ED-214D-A6E8-583A2FDE31BF}" type="datetimeFigureOut">
               <a:rPr lang="en-US" smtClean="0"/>
-              <a:t>9/5/24</a:t>
+              <a:t>9/12/24</a:t>
             </a:fld>
             <a:endParaRPr lang="en-US"/>
           </a:p>
@@ -1034,7 +1148,7 @@
           <a:p>
             <a:fld id="{49D16157-31ED-214D-A6E8-583A2FDE31BF}" type="datetimeFigureOut">
               <a:rPr lang="en-US" smtClean="0"/>
-              <a:t>9/5/24</a:t>
+              <a:t>9/12/24</a:t>
             </a:fld>
             <a:endParaRPr lang="en-US"/>
           </a:p>
@@ -1204,7 +1318,7 @@
           <a:p>
             <a:fld id="{49D16157-31ED-214D-A6E8-583A2FDE31BF}" type="datetimeFigureOut">
               <a:rPr lang="en-US" smtClean="0"/>
-              <a:t>9/5/24</a:t>
+              <a:t>9/12/24</a:t>
             </a:fld>
             <a:endParaRPr lang="en-US"/>
           </a:p>
@@ -1450,7 +1564,7 @@
           <a:p>
             <a:fld id="{49D16157-31ED-214D-A6E8-583A2FDE31BF}" type="datetimeFigureOut">
               <a:rPr lang="en-US" smtClean="0"/>
-              <a:t>9/5/24</a:t>
+              <a:t>9/12/24</a:t>
             </a:fld>
             <a:endParaRPr lang="en-US"/>
           </a:p>
@@ -1682,7 +1796,7 @@
           <a:p>
             <a:fld id="{49D16157-31ED-214D-A6E8-583A2FDE31BF}" type="datetimeFigureOut">
               <a:rPr lang="en-US" smtClean="0"/>
-              <a:t>9/5/24</a:t>
+              <a:t>9/12/24</a:t>
             </a:fld>
             <a:endParaRPr lang="en-US"/>
           </a:p>
@@ -2049,7 +2163,7 @@
           <a:p>
             <a:fld id="{49D16157-31ED-214D-A6E8-583A2FDE31BF}" type="datetimeFigureOut">
               <a:rPr lang="en-US" smtClean="0"/>
-              <a:t>9/5/24</a:t>
+              <a:t>9/12/24</a:t>
             </a:fld>
             <a:endParaRPr lang="en-US"/>
           </a:p>
@@ -2167,7 +2281,7 @@
           <a:p>
             <a:fld id="{49D16157-31ED-214D-A6E8-583A2FDE31BF}" type="datetimeFigureOut">
               <a:rPr lang="en-US" smtClean="0"/>
-              <a:t>9/5/24</a:t>
+              <a:t>9/12/24</a:t>
             </a:fld>
             <a:endParaRPr lang="en-US"/>
           </a:p>
@@ -2262,7 +2376,7 @@
           <a:p>
             <a:fld id="{49D16157-31ED-214D-A6E8-583A2FDE31BF}" type="datetimeFigureOut">
               <a:rPr lang="en-US" smtClean="0"/>
-              <a:t>9/5/24</a:t>
+              <a:t>9/12/24</a:t>
             </a:fld>
             <a:endParaRPr lang="en-US"/>
           </a:p>
@@ -2539,7 +2653,7 @@
           <a:p>
             <a:fld id="{49D16157-31ED-214D-A6E8-583A2FDE31BF}" type="datetimeFigureOut">
               <a:rPr lang="en-US" smtClean="0"/>
-              <a:t>9/5/24</a:t>
+              <a:t>9/12/24</a:t>
             </a:fld>
             <a:endParaRPr lang="en-US"/>
           </a:p>
@@ -2796,7 +2910,7 @@
           <a:p>
             <a:fld id="{49D16157-31ED-214D-A6E8-583A2FDE31BF}" type="datetimeFigureOut">
               <a:rPr lang="en-US" smtClean="0"/>
-              <a:t>9/5/24</a:t>
+              <a:t>9/12/24</a:t>
             </a:fld>
             <a:endParaRPr lang="en-US"/>
           </a:p>
@@ -3009,7 +3123,7 @@
           <a:p>
             <a:fld id="{49D16157-31ED-214D-A6E8-583A2FDE31BF}" type="datetimeFigureOut">
               <a:rPr lang="en-US" smtClean="0"/>
-              <a:t>9/5/24</a:t>
+              <a:t>9/12/24</a:t>
             </a:fld>
             <a:endParaRPr lang="en-US"/>
           </a:p>
@@ -3712,7 +3826,7 @@
         </p:nvSpPr>
         <p:spPr>
           <a:xfrm>
-            <a:off x="2037015" y="5794377"/>
+            <a:off x="2037015" y="6814402"/>
             <a:ext cx="930063" cy="246221"/>
           </a:xfrm>
           <a:prstGeom prst="rect">
@@ -3754,8 +3868,8 @@
         </p:nvSpPr>
         <p:spPr>
           <a:xfrm>
-            <a:off x="2356013" y="6037915"/>
-            <a:ext cx="611065" cy="246221"/>
+            <a:off x="2404103" y="5792011"/>
+            <a:ext cx="562975" cy="246221"/>
           </a:xfrm>
           <a:prstGeom prst="rect">
             <a:avLst/>
@@ -3787,109 +3901,11 @@
               <a:t>L</a:t>
             </a:r>
             <a:r>
-              <a:rPr lang="en-US" sz="1000" b="1" baseline="-25000" dirty="0">
-                <a:latin typeface="Arial" panose="020B0604020202020204" pitchFamily="34" charset="0"/>
-                <a:cs typeface="Arial" panose="020B0604020202020204" pitchFamily="34" charset="0"/>
-              </a:rPr>
-              <a:t>1/2</a:t>
-            </a:r>
-          </a:p>
-        </p:txBody>
-      </p:sp>
-      <p:sp>
-        <p:nvSpPr>
-          <p:cNvPr id="15" name="TextBox 14">
-            <a:extLst>
-              <a:ext uri="{FF2B5EF4-FFF2-40B4-BE49-F238E27FC236}">
-                <a16:creationId xmlns:a16="http://schemas.microsoft.com/office/drawing/2014/main" id="{466279D9-FA13-97BB-1244-1F323651FC21}"/>
-              </a:ext>
-            </a:extLst>
-          </p:cNvPr>
-          <p:cNvSpPr txBox="1"/>
-          <p:nvPr/>
-        </p:nvSpPr>
-        <p:spPr>
-          <a:xfrm>
-            <a:off x="2356013" y="6281453"/>
-            <a:ext cx="611066" cy="246221"/>
-          </a:xfrm>
-          <a:prstGeom prst="rect">
-            <a:avLst/>
-          </a:prstGeom>
-          <a:noFill/>
-          <a:ln>
-            <a:noFill/>
-          </a:ln>
-        </p:spPr>
-        <p:txBody>
-          <a:bodyPr wrap="none" rtlCol="0">
-            <a:spAutoFit/>
-          </a:bodyPr>
-          <a:lstStyle/>
-          <a:p>
-            <a:pPr algn="r"/>
-            <a:r>
-              <a:rPr lang="en-US" sz="1000" b="1" dirty="0">
-                <a:latin typeface="Arial" panose="020B0604020202020204" pitchFamily="34" charset="0"/>
-                <a:cs typeface="Arial" panose="020B0604020202020204" pitchFamily="34" charset="0"/>
-              </a:rPr>
-              <a:t>log </a:t>
-            </a:r>
-            <a:r>
-              <a:rPr lang="en-US" sz="1000" b="1" i="1" dirty="0">
-                <a:latin typeface="Arial" panose="020B0604020202020204" pitchFamily="34" charset="0"/>
-                <a:cs typeface="Arial" panose="020B0604020202020204" pitchFamily="34" charset="0"/>
-              </a:rPr>
-              <a:t>F</a:t>
-            </a:r>
-            <a:r>
-              <a:rPr lang="en-US" sz="1000" b="1" baseline="-25000" dirty="0">
-                <a:latin typeface="Arial" panose="020B0604020202020204" pitchFamily="34" charset="0"/>
-                <a:cs typeface="Arial" panose="020B0604020202020204" pitchFamily="34" charset="0"/>
-              </a:rPr>
-              <a:t>1/2</a:t>
-            </a:r>
-          </a:p>
-        </p:txBody>
-      </p:sp>
-      <p:sp>
-        <p:nvSpPr>
-          <p:cNvPr id="16" name="TextBox 15">
-            <a:extLst>
-              <a:ext uri="{FF2B5EF4-FFF2-40B4-BE49-F238E27FC236}">
-                <a16:creationId xmlns:a16="http://schemas.microsoft.com/office/drawing/2014/main" id="{9E426D95-5B7D-90CD-B14E-1D3E47FA2475}"/>
-              </a:ext>
-            </a:extLst>
-          </p:cNvPr>
-          <p:cNvSpPr txBox="1"/>
-          <p:nvPr/>
-        </p:nvSpPr>
-        <p:spPr>
-          <a:xfrm>
-            <a:off x="2184491" y="6531223"/>
-            <a:ext cx="782587" cy="246221"/>
-          </a:xfrm>
-          <a:prstGeom prst="rect">
-            <a:avLst/>
-          </a:prstGeom>
-          <a:noFill/>
-          <a:ln>
-            <a:noFill/>
-          </a:ln>
-        </p:spPr>
-        <p:txBody>
-          <a:bodyPr wrap="none" rtlCol="0">
-            <a:spAutoFit/>
-          </a:bodyPr>
-          <a:lstStyle/>
-          <a:p>
-            <a:pPr algn="r"/>
-            <a:r>
-              <a:rPr lang="en-US" sz="1000" b="1" dirty="0">
-                <a:latin typeface="Arial" panose="020B0604020202020204" pitchFamily="34" charset="0"/>
-                <a:cs typeface="Arial" panose="020B0604020202020204" pitchFamily="34" charset="0"/>
-              </a:rPr>
-              <a:t>log RCVQ</a:t>
+              <a:rPr lang="en-US" sz="1000" b="1" i="1" baseline="-25000" dirty="0">
+                <a:latin typeface="Arial" panose="020B0604020202020204" pitchFamily="34" charset="0"/>
+                <a:cs typeface="Arial" panose="020B0604020202020204" pitchFamily="34" charset="0"/>
+              </a:rPr>
+              <a:t>i/j</a:t>
             </a:r>
             <a:endParaRPr lang="en-US" sz="1000" b="1" baseline="-25000" dirty="0">
               <a:latin typeface="Arial" panose="020B0604020202020204" pitchFamily="34" charset="0"/>
@@ -3900,20 +3916,20 @@
       </p:sp>
       <p:sp>
         <p:nvSpPr>
-          <p:cNvPr id="17" name="TextBox 16">
-            <a:extLst>
-              <a:ext uri="{FF2B5EF4-FFF2-40B4-BE49-F238E27FC236}">
-                <a16:creationId xmlns:a16="http://schemas.microsoft.com/office/drawing/2014/main" id="{63771132-0CFA-000A-E362-D697B1E5C1A7}"/>
-              </a:ext>
-            </a:extLst>
-          </p:cNvPr>
-          <p:cNvSpPr txBox="1"/>
-          <p:nvPr/>
-        </p:nvSpPr>
-        <p:spPr>
-          <a:xfrm>
-            <a:off x="2176477" y="6777444"/>
-            <a:ext cx="790601" cy="246221"/>
+          <p:cNvPr id="15" name="TextBox 14">
+            <a:extLst>
+              <a:ext uri="{FF2B5EF4-FFF2-40B4-BE49-F238E27FC236}">
+                <a16:creationId xmlns:a16="http://schemas.microsoft.com/office/drawing/2014/main" id="{466279D9-FA13-97BB-1244-1F323651FC21}"/>
+              </a:ext>
+            </a:extLst>
+          </p:cNvPr>
+          <p:cNvSpPr txBox="1"/>
+          <p:nvPr/>
+        </p:nvSpPr>
+        <p:spPr>
+          <a:xfrm>
+            <a:off x="2404104" y="6035549"/>
+            <a:ext cx="562975" cy="246221"/>
           </a:xfrm>
           <a:prstGeom prst="rect">
             <a:avLst/>
@@ -3935,7 +3951,21 @@
                 <a:latin typeface="Arial" panose="020B0604020202020204" pitchFamily="34" charset="0"/>
                 <a:cs typeface="Arial" panose="020B0604020202020204" pitchFamily="34" charset="0"/>
               </a:rPr>
-              <a:t>log RCVM</a:t>
+              <a:t>log </a:t>
+            </a:r>
+            <a:r>
+              <a:rPr lang="en-US" sz="1000" b="1" i="1" dirty="0">
+                <a:latin typeface="Arial" panose="020B0604020202020204" pitchFamily="34" charset="0"/>
+                <a:cs typeface="Arial" panose="020B0604020202020204" pitchFamily="34" charset="0"/>
+              </a:rPr>
+              <a:t>F</a:t>
+            </a:r>
+            <a:r>
+              <a:rPr lang="en-US" sz="1000" b="1" i="1" baseline="-25000" dirty="0">
+                <a:latin typeface="Arial" panose="020B0604020202020204" pitchFamily="34" charset="0"/>
+                <a:cs typeface="Arial" panose="020B0604020202020204" pitchFamily="34" charset="0"/>
+              </a:rPr>
+              <a:t>i/j</a:t>
             </a:r>
             <a:endParaRPr lang="en-US" sz="1000" b="1" baseline="-25000" dirty="0">
               <a:latin typeface="Arial" panose="020B0604020202020204" pitchFamily="34" charset="0"/>
@@ -3946,6 +3976,98 @@
       </p:sp>
       <p:sp>
         <p:nvSpPr>
+          <p:cNvPr id="16" name="TextBox 15">
+            <a:extLst>
+              <a:ext uri="{FF2B5EF4-FFF2-40B4-BE49-F238E27FC236}">
+                <a16:creationId xmlns:a16="http://schemas.microsoft.com/office/drawing/2014/main" id="{9E426D95-5B7D-90CD-B14E-1D3E47FA2475}"/>
+              </a:ext>
+            </a:extLst>
+          </p:cNvPr>
+          <p:cNvSpPr txBox="1"/>
+          <p:nvPr/>
+        </p:nvSpPr>
+        <p:spPr>
+          <a:xfrm>
+            <a:off x="2184491" y="6285319"/>
+            <a:ext cx="782587" cy="246221"/>
+          </a:xfrm>
+          <a:prstGeom prst="rect">
+            <a:avLst/>
+          </a:prstGeom>
+          <a:noFill/>
+          <a:ln>
+            <a:noFill/>
+          </a:ln>
+        </p:spPr>
+        <p:txBody>
+          <a:bodyPr wrap="none" rtlCol="0">
+            <a:spAutoFit/>
+          </a:bodyPr>
+          <a:lstStyle/>
+          <a:p>
+            <a:pPr algn="r"/>
+            <a:r>
+              <a:rPr lang="en-US" sz="1000" b="1" dirty="0">
+                <a:latin typeface="Arial" panose="020B0604020202020204" pitchFamily="34" charset="0"/>
+                <a:cs typeface="Arial" panose="020B0604020202020204" pitchFamily="34" charset="0"/>
+              </a:rPr>
+              <a:t>log RCVQ</a:t>
+            </a:r>
+            <a:endParaRPr lang="en-US" sz="1000" b="1" baseline="-25000" dirty="0">
+              <a:latin typeface="Arial" panose="020B0604020202020204" pitchFamily="34" charset="0"/>
+              <a:cs typeface="Arial" panose="020B0604020202020204" pitchFamily="34" charset="0"/>
+            </a:endParaRPr>
+          </a:p>
+        </p:txBody>
+      </p:sp>
+      <p:sp>
+        <p:nvSpPr>
+          <p:cNvPr id="17" name="TextBox 16">
+            <a:extLst>
+              <a:ext uri="{FF2B5EF4-FFF2-40B4-BE49-F238E27FC236}">
+                <a16:creationId xmlns:a16="http://schemas.microsoft.com/office/drawing/2014/main" id="{63771132-0CFA-000A-E362-D697B1E5C1A7}"/>
+              </a:ext>
+            </a:extLst>
+          </p:cNvPr>
+          <p:cNvSpPr txBox="1"/>
+          <p:nvPr/>
+        </p:nvSpPr>
+        <p:spPr>
+          <a:xfrm>
+            <a:off x="2176477" y="6531540"/>
+            <a:ext cx="790601" cy="246221"/>
+          </a:xfrm>
+          <a:prstGeom prst="rect">
+            <a:avLst/>
+          </a:prstGeom>
+          <a:noFill/>
+          <a:ln>
+            <a:noFill/>
+          </a:ln>
+        </p:spPr>
+        <p:txBody>
+          <a:bodyPr wrap="none" rtlCol="0">
+            <a:spAutoFit/>
+          </a:bodyPr>
+          <a:lstStyle/>
+          <a:p>
+            <a:pPr algn="r"/>
+            <a:r>
+              <a:rPr lang="en-US" sz="1000" b="1" dirty="0">
+                <a:latin typeface="Arial" panose="020B0604020202020204" pitchFamily="34" charset="0"/>
+                <a:cs typeface="Arial" panose="020B0604020202020204" pitchFamily="34" charset="0"/>
+              </a:rPr>
+              <a:t>log RCVM</a:t>
+            </a:r>
+            <a:endParaRPr lang="en-US" sz="1000" b="1" baseline="-25000" dirty="0">
+              <a:latin typeface="Arial" panose="020B0604020202020204" pitchFamily="34" charset="0"/>
+              <a:cs typeface="Arial" panose="020B0604020202020204" pitchFamily="34" charset="0"/>
+            </a:endParaRPr>
+          </a:p>
+        </p:txBody>
+      </p:sp>
+      <p:sp>
+        <p:nvSpPr>
           <p:cNvPr id="18" name="TextBox 17">
             <a:extLst>
               <a:ext uri="{FF2B5EF4-FFF2-40B4-BE49-F238E27FC236}">
@@ -4230,6 +4352,9 @@
             <a:pPr algn="ctr"/>
             <a:r>
               <a:rPr lang="en-US" sz="1000" dirty="0">
+                <a:solidFill>
+                  <a:srgbClr val="00B050"/>
+                </a:solidFill>
                 <a:latin typeface="Arial" panose="020B0604020202020204" pitchFamily="34" charset="0"/>
                 <a:cs typeface="Arial" panose="020B0604020202020204" pitchFamily="34" charset="0"/>
               </a:rPr>
@@ -4286,6 +4411,3443 @@
             <a:extLst>
               <a:ext uri="{FF2B5EF4-FFF2-40B4-BE49-F238E27FC236}">
                 <a16:creationId xmlns:a16="http://schemas.microsoft.com/office/drawing/2014/main" id="{7DDC8BBA-71AF-9109-4F60-C499CC568F01}"/>
+              </a:ext>
+            </a:extLst>
+          </p:cNvPr>
+          <p:cNvSpPr txBox="1"/>
+          <p:nvPr/>
+        </p:nvSpPr>
+        <p:spPr>
+          <a:xfrm>
+            <a:off x="3110519" y="6811904"/>
+            <a:ext cx="1227845" cy="246221"/>
+          </a:xfrm>
+          <a:prstGeom prst="rect">
+            <a:avLst/>
+          </a:prstGeom>
+          <a:solidFill>
+            <a:srgbClr val="00B050">
+              <a:alpha val="50196"/>
+            </a:srgbClr>
+          </a:solidFill>
+          <a:ln>
+            <a:noFill/>
+          </a:ln>
+        </p:spPr>
+        <p:txBody>
+          <a:bodyPr wrap="square" rtlCol="0">
+            <a:spAutoFit/>
+          </a:bodyPr>
+          <a:lstStyle/>
+          <a:p>
+            <a:pPr algn="ctr"/>
+            <a:r>
+              <a:rPr lang="en-US" sz="1000" b="1" dirty="0">
+                <a:latin typeface="Arial" panose="020B0604020202020204" pitchFamily="34" charset="0"/>
+                <a:cs typeface="Arial" panose="020B0604020202020204" pitchFamily="34" charset="0"/>
+              </a:rPr>
+              <a:t>Recommended</a:t>
+            </a:r>
+          </a:p>
+        </p:txBody>
+      </p:sp>
+      <p:sp>
+        <p:nvSpPr>
+          <p:cNvPr id="27" name="TextBox 26">
+            <a:extLst>
+              <a:ext uri="{FF2B5EF4-FFF2-40B4-BE49-F238E27FC236}">
+                <a16:creationId xmlns:a16="http://schemas.microsoft.com/office/drawing/2014/main" id="{AFC58E3E-5314-28FE-D608-F093890A2682}"/>
+              </a:ext>
+            </a:extLst>
+          </p:cNvPr>
+          <p:cNvSpPr txBox="1"/>
+          <p:nvPr/>
+        </p:nvSpPr>
+        <p:spPr>
+          <a:xfrm>
+            <a:off x="4538794" y="6811904"/>
+            <a:ext cx="1196422" cy="246221"/>
+          </a:xfrm>
+          <a:prstGeom prst="rect">
+            <a:avLst/>
+          </a:prstGeom>
+          <a:solidFill>
+            <a:schemeClr val="bg1">
+              <a:lumMod val="65000"/>
+              <a:alpha val="50196"/>
+            </a:schemeClr>
+          </a:solidFill>
+          <a:ln>
+            <a:noFill/>
+          </a:ln>
+        </p:spPr>
+        <p:txBody>
+          <a:bodyPr wrap="square" rtlCol="0">
+            <a:spAutoFit/>
+          </a:bodyPr>
+          <a:lstStyle/>
+          <a:p>
+            <a:pPr algn="ctr"/>
+            <a:r>
+              <a:rPr lang="en-US" sz="1000" b="1" dirty="0">
+                <a:latin typeface="Arial" panose="020B0604020202020204" pitchFamily="34" charset="0"/>
+                <a:cs typeface="Arial" panose="020B0604020202020204" pitchFamily="34" charset="0"/>
+              </a:rPr>
+              <a:t>Correct</a:t>
+            </a:r>
+          </a:p>
+        </p:txBody>
+      </p:sp>
+      <p:sp>
+        <p:nvSpPr>
+          <p:cNvPr id="31" name="TextBox 30">
+            <a:extLst>
+              <a:ext uri="{FF2B5EF4-FFF2-40B4-BE49-F238E27FC236}">
+                <a16:creationId xmlns:a16="http://schemas.microsoft.com/office/drawing/2014/main" id="{883018CF-B463-AD0E-F915-F098E42711ED}"/>
+              </a:ext>
+            </a:extLst>
+          </p:cNvPr>
+          <p:cNvSpPr txBox="1"/>
+          <p:nvPr/>
+        </p:nvSpPr>
+        <p:spPr>
+          <a:xfrm>
+            <a:off x="3191011" y="5791879"/>
+            <a:ext cx="1066863" cy="246221"/>
+          </a:xfrm>
+          <a:prstGeom prst="rect">
+            <a:avLst/>
+          </a:prstGeom>
+          <a:noFill/>
+          <a:ln>
+            <a:noFill/>
+          </a:ln>
+        </p:spPr>
+        <p:txBody>
+          <a:bodyPr wrap="square" rtlCol="0">
+            <a:spAutoFit/>
+          </a:bodyPr>
+          <a:lstStyle/>
+          <a:p>
+            <a:pPr algn="ctr"/>
+            <a:r>
+              <a:rPr lang="en-US" sz="1000" dirty="0">
+                <a:solidFill>
+                  <a:srgbClr val="00B050"/>
+                </a:solidFill>
+                <a:latin typeface="Arial" panose="020B0604020202020204" pitchFamily="34" charset="0"/>
+                <a:cs typeface="Arial" panose="020B0604020202020204" pitchFamily="34" charset="0"/>
+              </a:rPr>
+              <a:t>0</a:t>
+            </a:r>
+          </a:p>
+        </p:txBody>
+      </p:sp>
+      <p:sp>
+        <p:nvSpPr>
+          <p:cNvPr id="32" name="TextBox 31">
+            <a:extLst>
+              <a:ext uri="{FF2B5EF4-FFF2-40B4-BE49-F238E27FC236}">
+                <a16:creationId xmlns:a16="http://schemas.microsoft.com/office/drawing/2014/main" id="{D805F7AF-E1B3-9D78-551F-6D429E1834BF}"/>
+              </a:ext>
+            </a:extLst>
+          </p:cNvPr>
+          <p:cNvSpPr txBox="1"/>
+          <p:nvPr/>
+        </p:nvSpPr>
+        <p:spPr>
+          <a:xfrm>
+            <a:off x="4605791" y="5791879"/>
+            <a:ext cx="1066863" cy="246221"/>
+          </a:xfrm>
+          <a:prstGeom prst="rect">
+            <a:avLst/>
+          </a:prstGeom>
+          <a:noFill/>
+          <a:ln>
+            <a:noFill/>
+          </a:ln>
+        </p:spPr>
+        <p:txBody>
+          <a:bodyPr wrap="square" rtlCol="0">
+            <a:spAutoFit/>
+          </a:bodyPr>
+          <a:lstStyle/>
+          <a:p>
+            <a:pPr algn="ctr"/>
+            <a:r>
+              <a:rPr lang="en-US" sz="1000" dirty="0">
+                <a:latin typeface="Arial" panose="020B0604020202020204" pitchFamily="34" charset="0"/>
+                <a:cs typeface="Arial" panose="020B0604020202020204" pitchFamily="34" charset="0"/>
+              </a:rPr>
+              <a:t>N/A</a:t>
+            </a:r>
+          </a:p>
+        </p:txBody>
+      </p:sp>
+      <p:sp>
+        <p:nvSpPr>
+          <p:cNvPr id="33" name="TextBox 32">
+            <a:extLst>
+              <a:ext uri="{FF2B5EF4-FFF2-40B4-BE49-F238E27FC236}">
+                <a16:creationId xmlns:a16="http://schemas.microsoft.com/office/drawing/2014/main" id="{0BF0EC1A-7CDD-C5D8-84B9-3B1633FD812D}"/>
+              </a:ext>
+            </a:extLst>
+          </p:cNvPr>
+          <p:cNvSpPr txBox="1"/>
+          <p:nvPr/>
+        </p:nvSpPr>
+        <p:spPr>
+          <a:xfrm>
+            <a:off x="3191011" y="6045879"/>
+            <a:ext cx="1066863" cy="246221"/>
+          </a:xfrm>
+          <a:prstGeom prst="rect">
+            <a:avLst/>
+          </a:prstGeom>
+          <a:noFill/>
+          <a:ln>
+            <a:noFill/>
+          </a:ln>
+        </p:spPr>
+        <p:txBody>
+          <a:bodyPr wrap="square" rtlCol="0">
+            <a:spAutoFit/>
+          </a:bodyPr>
+          <a:lstStyle/>
+          <a:p>
+            <a:pPr algn="ctr"/>
+            <a:r>
+              <a:rPr lang="en-US" sz="1000" dirty="0">
+                <a:solidFill>
+                  <a:srgbClr val="00B050"/>
+                </a:solidFill>
+                <a:latin typeface="Arial" panose="020B0604020202020204" pitchFamily="34" charset="0"/>
+                <a:cs typeface="Arial" panose="020B0604020202020204" pitchFamily="34" charset="0"/>
+              </a:rPr>
+              <a:t>0</a:t>
+            </a:r>
+          </a:p>
+        </p:txBody>
+      </p:sp>
+      <p:sp>
+        <p:nvSpPr>
+          <p:cNvPr id="34" name="TextBox 33">
+            <a:extLst>
+              <a:ext uri="{FF2B5EF4-FFF2-40B4-BE49-F238E27FC236}">
+                <a16:creationId xmlns:a16="http://schemas.microsoft.com/office/drawing/2014/main" id="{BCA4C65F-286C-9AC4-EF6D-47D8CDD4DFC7}"/>
+              </a:ext>
+            </a:extLst>
+          </p:cNvPr>
+          <p:cNvSpPr txBox="1"/>
+          <p:nvPr/>
+        </p:nvSpPr>
+        <p:spPr>
+          <a:xfrm>
+            <a:off x="4605791" y="6045879"/>
+            <a:ext cx="1066863" cy="246221"/>
+          </a:xfrm>
+          <a:prstGeom prst="rect">
+            <a:avLst/>
+          </a:prstGeom>
+          <a:noFill/>
+          <a:ln>
+            <a:noFill/>
+          </a:ln>
+        </p:spPr>
+        <p:txBody>
+          <a:bodyPr wrap="square" rtlCol="0">
+            <a:spAutoFit/>
+          </a:bodyPr>
+          <a:lstStyle/>
+          <a:p>
+            <a:pPr algn="ctr"/>
+            <a:r>
+              <a:rPr lang="en-US" sz="1000" dirty="0">
+                <a:latin typeface="Arial" panose="020B0604020202020204" pitchFamily="34" charset="0"/>
+                <a:cs typeface="Arial" panose="020B0604020202020204" pitchFamily="34" charset="0"/>
+              </a:rPr>
+              <a:t>N/A</a:t>
+            </a:r>
+          </a:p>
+        </p:txBody>
+      </p:sp>
+      <p:sp>
+        <p:nvSpPr>
+          <p:cNvPr id="35" name="TextBox 34">
+            <a:extLst>
+              <a:ext uri="{FF2B5EF4-FFF2-40B4-BE49-F238E27FC236}">
+                <a16:creationId xmlns:a16="http://schemas.microsoft.com/office/drawing/2014/main" id="{25028200-1D15-8DF1-EA88-0651B77009A8}"/>
+              </a:ext>
+            </a:extLst>
+          </p:cNvPr>
+          <p:cNvSpPr txBox="1"/>
+          <p:nvPr/>
+        </p:nvSpPr>
+        <p:spPr>
+          <a:xfrm>
+            <a:off x="3191011" y="6290354"/>
+            <a:ext cx="1066863" cy="246221"/>
+          </a:xfrm>
+          <a:prstGeom prst="rect">
+            <a:avLst/>
+          </a:prstGeom>
+          <a:noFill/>
+          <a:ln>
+            <a:noFill/>
+          </a:ln>
+        </p:spPr>
+        <p:txBody>
+          <a:bodyPr wrap="square" rtlCol="0">
+            <a:spAutoFit/>
+          </a:bodyPr>
+          <a:lstStyle/>
+          <a:p>
+            <a:pPr algn="ctr"/>
+            <a:r>
+              <a:rPr lang="en-US" sz="1000" dirty="0" err="1">
+                <a:solidFill>
+                  <a:srgbClr val="00B050"/>
+                </a:solidFill>
+                <a:latin typeface="Arial" panose="020B0604020202020204" pitchFamily="34" charset="0"/>
+                <a:cs typeface="Arial" panose="020B0604020202020204" pitchFamily="34" charset="0"/>
+              </a:rPr>
+              <a:t>NaN</a:t>
+            </a:r>
+            <a:endParaRPr lang="en-US" sz="1000" dirty="0">
+              <a:solidFill>
+                <a:srgbClr val="00B050"/>
+              </a:solidFill>
+              <a:latin typeface="Arial" panose="020B0604020202020204" pitchFamily="34" charset="0"/>
+              <a:cs typeface="Arial" panose="020B0604020202020204" pitchFamily="34" charset="0"/>
+            </a:endParaRPr>
+          </a:p>
+        </p:txBody>
+      </p:sp>
+      <p:sp>
+        <p:nvSpPr>
+          <p:cNvPr id="36" name="TextBox 35">
+            <a:extLst>
+              <a:ext uri="{FF2B5EF4-FFF2-40B4-BE49-F238E27FC236}">
+                <a16:creationId xmlns:a16="http://schemas.microsoft.com/office/drawing/2014/main" id="{5FE06422-099E-A51D-9908-48F739F9290A}"/>
+              </a:ext>
+            </a:extLst>
+          </p:cNvPr>
+          <p:cNvSpPr txBox="1"/>
+          <p:nvPr/>
+        </p:nvSpPr>
+        <p:spPr>
+          <a:xfrm>
+            <a:off x="4605791" y="6290354"/>
+            <a:ext cx="1066863" cy="246221"/>
+          </a:xfrm>
+          <a:prstGeom prst="rect">
+            <a:avLst/>
+          </a:prstGeom>
+          <a:noFill/>
+          <a:ln>
+            <a:noFill/>
+          </a:ln>
+        </p:spPr>
+        <p:txBody>
+          <a:bodyPr wrap="square" rtlCol="0">
+            <a:spAutoFit/>
+          </a:bodyPr>
+          <a:lstStyle/>
+          <a:p>
+            <a:pPr algn="ctr"/>
+            <a:r>
+              <a:rPr lang="en-US" sz="1000" dirty="0">
+                <a:latin typeface="Arial" panose="020B0604020202020204" pitchFamily="34" charset="0"/>
+                <a:cs typeface="Arial" panose="020B0604020202020204" pitchFamily="34" charset="0"/>
+              </a:rPr>
+              <a:t>N/A</a:t>
+            </a:r>
+          </a:p>
+        </p:txBody>
+      </p:sp>
+      <p:sp>
+        <p:nvSpPr>
+          <p:cNvPr id="37" name="TextBox 36">
+            <a:extLst>
+              <a:ext uri="{FF2B5EF4-FFF2-40B4-BE49-F238E27FC236}">
+                <a16:creationId xmlns:a16="http://schemas.microsoft.com/office/drawing/2014/main" id="{30368F84-3E8F-E973-249D-42F56372B7ED}"/>
+              </a:ext>
+            </a:extLst>
+          </p:cNvPr>
+          <p:cNvSpPr txBox="1"/>
+          <p:nvPr/>
+        </p:nvSpPr>
+        <p:spPr>
+          <a:xfrm>
+            <a:off x="3191011" y="6544354"/>
+            <a:ext cx="1066863" cy="246221"/>
+          </a:xfrm>
+          <a:prstGeom prst="rect">
+            <a:avLst/>
+          </a:prstGeom>
+          <a:noFill/>
+          <a:ln>
+            <a:noFill/>
+          </a:ln>
+        </p:spPr>
+        <p:txBody>
+          <a:bodyPr wrap="square" rtlCol="0">
+            <a:spAutoFit/>
+          </a:bodyPr>
+          <a:lstStyle/>
+          <a:p>
+            <a:pPr algn="ctr"/>
+            <a:r>
+              <a:rPr lang="en-US" sz="1000" dirty="0" err="1">
+                <a:solidFill>
+                  <a:srgbClr val="00B050"/>
+                </a:solidFill>
+                <a:latin typeface="Arial" panose="020B0604020202020204" pitchFamily="34" charset="0"/>
+                <a:cs typeface="Arial" panose="020B0604020202020204" pitchFamily="34" charset="0"/>
+              </a:rPr>
+              <a:t>NaN</a:t>
+            </a:r>
+            <a:endParaRPr lang="en-US" sz="1000" dirty="0">
+              <a:solidFill>
+                <a:srgbClr val="00B050"/>
+              </a:solidFill>
+              <a:latin typeface="Arial" panose="020B0604020202020204" pitchFamily="34" charset="0"/>
+              <a:cs typeface="Arial" panose="020B0604020202020204" pitchFamily="34" charset="0"/>
+            </a:endParaRPr>
+          </a:p>
+        </p:txBody>
+      </p:sp>
+      <p:sp>
+        <p:nvSpPr>
+          <p:cNvPr id="38" name="TextBox 37">
+            <a:extLst>
+              <a:ext uri="{FF2B5EF4-FFF2-40B4-BE49-F238E27FC236}">
+                <a16:creationId xmlns:a16="http://schemas.microsoft.com/office/drawing/2014/main" id="{9E4C23CF-7D6D-2E36-127D-748EA758ACE3}"/>
+              </a:ext>
+            </a:extLst>
+          </p:cNvPr>
+          <p:cNvSpPr txBox="1"/>
+          <p:nvPr/>
+        </p:nvSpPr>
+        <p:spPr>
+          <a:xfrm>
+            <a:off x="4605791" y="6544354"/>
+            <a:ext cx="1066863" cy="246221"/>
+          </a:xfrm>
+          <a:prstGeom prst="rect">
+            <a:avLst/>
+          </a:prstGeom>
+          <a:noFill/>
+          <a:ln>
+            <a:noFill/>
+          </a:ln>
+        </p:spPr>
+        <p:txBody>
+          <a:bodyPr wrap="square" rtlCol="0">
+            <a:spAutoFit/>
+          </a:bodyPr>
+          <a:lstStyle/>
+          <a:p>
+            <a:pPr algn="ctr"/>
+            <a:r>
+              <a:rPr lang="en-US" sz="1000" dirty="0">
+                <a:latin typeface="Arial" panose="020B0604020202020204" pitchFamily="34" charset="0"/>
+                <a:cs typeface="Arial" panose="020B0604020202020204" pitchFamily="34" charset="0"/>
+              </a:rPr>
+              <a:t>N/A</a:t>
+            </a:r>
+          </a:p>
+        </p:txBody>
+      </p:sp>
+      <p:sp>
+        <p:nvSpPr>
+          <p:cNvPr id="7" name="TextBox 6">
+            <a:extLst>
+              <a:ext uri="{FF2B5EF4-FFF2-40B4-BE49-F238E27FC236}">
+                <a16:creationId xmlns:a16="http://schemas.microsoft.com/office/drawing/2014/main" id="{A66EE19A-B3F2-FB5D-FCC6-73E571886704}"/>
+              </a:ext>
+            </a:extLst>
+          </p:cNvPr>
+          <p:cNvSpPr txBox="1"/>
+          <p:nvPr/>
+        </p:nvSpPr>
+        <p:spPr>
+          <a:xfrm>
+            <a:off x="6016136" y="4558348"/>
+            <a:ext cx="1066863" cy="246221"/>
+          </a:xfrm>
+          <a:prstGeom prst="rect">
+            <a:avLst/>
+          </a:prstGeom>
+          <a:noFill/>
+          <a:ln>
+            <a:noFill/>
+          </a:ln>
+        </p:spPr>
+        <p:txBody>
+          <a:bodyPr wrap="square" rtlCol="0">
+            <a:spAutoFit/>
+          </a:bodyPr>
+          <a:lstStyle/>
+          <a:p>
+            <a:pPr algn="ctr"/>
+            <a:r>
+              <a:rPr lang="en-US" sz="1000" dirty="0">
+                <a:latin typeface="Arial" panose="020B0604020202020204" pitchFamily="34" charset="0"/>
+                <a:cs typeface="Arial" panose="020B0604020202020204" pitchFamily="34" charset="0"/>
+              </a:rPr>
+              <a:t>Bar graph</a:t>
+            </a:r>
+          </a:p>
+        </p:txBody>
+      </p:sp>
+      <p:sp>
+        <p:nvSpPr>
+          <p:cNvPr id="10" name="TextBox 9">
+            <a:extLst>
+              <a:ext uri="{FF2B5EF4-FFF2-40B4-BE49-F238E27FC236}">
+                <a16:creationId xmlns:a16="http://schemas.microsoft.com/office/drawing/2014/main" id="{AD766AF9-1BE5-FFE4-69CC-F6C019AEBDB6}"/>
+              </a:ext>
+            </a:extLst>
+          </p:cNvPr>
+          <p:cNvSpPr txBox="1"/>
+          <p:nvPr/>
+        </p:nvSpPr>
+        <p:spPr>
+          <a:xfrm>
+            <a:off x="5975679" y="4805881"/>
+            <a:ext cx="1143148" cy="246221"/>
+          </a:xfrm>
+          <a:prstGeom prst="rect">
+            <a:avLst/>
+          </a:prstGeom>
+          <a:noFill/>
+          <a:ln>
+            <a:noFill/>
+          </a:ln>
+        </p:spPr>
+        <p:txBody>
+          <a:bodyPr wrap="square" rtlCol="0">
+            <a:spAutoFit/>
+          </a:bodyPr>
+          <a:lstStyle/>
+          <a:p>
+            <a:pPr algn="ctr"/>
+            <a:r>
+              <a:rPr lang="en-US" sz="1000" dirty="0">
+                <a:latin typeface="Arial" panose="020B0604020202020204" pitchFamily="34" charset="0"/>
+                <a:cs typeface="Arial" panose="020B0604020202020204" pitchFamily="34" charset="0"/>
+              </a:rPr>
+              <a:t>Log-transformed</a:t>
+            </a:r>
+          </a:p>
+        </p:txBody>
+      </p:sp>
+      <p:sp>
+        <p:nvSpPr>
+          <p:cNvPr id="11" name="TextBox 10">
+            <a:extLst>
+              <a:ext uri="{FF2B5EF4-FFF2-40B4-BE49-F238E27FC236}">
+                <a16:creationId xmlns:a16="http://schemas.microsoft.com/office/drawing/2014/main" id="{C20ECA47-BDE9-052A-5BC5-58AFB0CB34CC}"/>
+              </a:ext>
+            </a:extLst>
+          </p:cNvPr>
+          <p:cNvSpPr txBox="1"/>
+          <p:nvPr/>
+        </p:nvSpPr>
+        <p:spPr>
+          <a:xfrm>
+            <a:off x="6016136" y="5048973"/>
+            <a:ext cx="1066863" cy="246221"/>
+          </a:xfrm>
+          <a:prstGeom prst="rect">
+            <a:avLst/>
+          </a:prstGeom>
+          <a:noFill/>
+          <a:ln>
+            <a:noFill/>
+          </a:ln>
+        </p:spPr>
+        <p:txBody>
+          <a:bodyPr wrap="square" rtlCol="0">
+            <a:spAutoFit/>
+          </a:bodyPr>
+          <a:lstStyle/>
+          <a:p>
+            <a:pPr algn="ctr"/>
+            <a:r>
+              <a:rPr lang="en-US" sz="1000" dirty="0">
+                <a:latin typeface="Arial" panose="020B0604020202020204" pitchFamily="34" charset="0"/>
+                <a:cs typeface="Arial" panose="020B0604020202020204" pitchFamily="34" charset="0"/>
+              </a:rPr>
+              <a:t>Linear</a:t>
+            </a:r>
+          </a:p>
+        </p:txBody>
+      </p:sp>
+      <p:sp>
+        <p:nvSpPr>
+          <p:cNvPr id="28" name="TextBox 27">
+            <a:extLst>
+              <a:ext uri="{FF2B5EF4-FFF2-40B4-BE49-F238E27FC236}">
+                <a16:creationId xmlns:a16="http://schemas.microsoft.com/office/drawing/2014/main" id="{A6445AAF-81D5-66A7-371C-2117282F66E3}"/>
+              </a:ext>
+            </a:extLst>
+          </p:cNvPr>
+          <p:cNvSpPr txBox="1"/>
+          <p:nvPr/>
+        </p:nvSpPr>
+        <p:spPr>
+          <a:xfrm>
+            <a:off x="6016136" y="5299796"/>
+            <a:ext cx="1066863" cy="246221"/>
+          </a:xfrm>
+          <a:prstGeom prst="rect">
+            <a:avLst/>
+          </a:prstGeom>
+          <a:noFill/>
+          <a:ln>
+            <a:noFill/>
+          </a:ln>
+        </p:spPr>
+        <p:txBody>
+          <a:bodyPr wrap="square" rtlCol="0">
+            <a:spAutoFit/>
+          </a:bodyPr>
+          <a:lstStyle/>
+          <a:p>
+            <a:pPr algn="ctr"/>
+            <a:r>
+              <a:rPr lang="en-US" sz="1000" dirty="0">
+                <a:solidFill>
+                  <a:srgbClr val="00B050"/>
+                </a:solidFill>
+                <a:latin typeface="Arial" panose="020B0604020202020204" pitchFamily="34" charset="0"/>
+                <a:cs typeface="Arial" panose="020B0604020202020204" pitchFamily="34" charset="0"/>
+              </a:rPr>
+              <a:t>True</a:t>
+            </a:r>
+          </a:p>
+        </p:txBody>
+      </p:sp>
+      <p:sp>
+        <p:nvSpPr>
+          <p:cNvPr id="29" name="TextBox 28">
+            <a:extLst>
+              <a:ext uri="{FF2B5EF4-FFF2-40B4-BE49-F238E27FC236}">
+                <a16:creationId xmlns:a16="http://schemas.microsoft.com/office/drawing/2014/main" id="{D03591A9-6017-3942-50DD-AEE54E9AEEC8}"/>
+              </a:ext>
+            </a:extLst>
+          </p:cNvPr>
+          <p:cNvSpPr txBox="1"/>
+          <p:nvPr/>
+        </p:nvSpPr>
+        <p:spPr>
+          <a:xfrm>
+            <a:off x="5999965" y="6811904"/>
+            <a:ext cx="1099204" cy="246221"/>
+          </a:xfrm>
+          <a:prstGeom prst="rect">
+            <a:avLst/>
+          </a:prstGeom>
+          <a:solidFill>
+            <a:schemeClr val="bg1">
+              <a:lumMod val="65000"/>
+              <a:alpha val="50196"/>
+            </a:schemeClr>
+          </a:solidFill>
+          <a:ln>
+            <a:noFill/>
+          </a:ln>
+        </p:spPr>
+        <p:txBody>
+          <a:bodyPr wrap="square" rtlCol="0">
+            <a:spAutoFit/>
+          </a:bodyPr>
+          <a:lstStyle/>
+          <a:p>
+            <a:pPr algn="ctr"/>
+            <a:r>
+              <a:rPr lang="en-US" sz="1000" b="1" dirty="0">
+                <a:latin typeface="Arial" panose="020B0604020202020204" pitchFamily="34" charset="0"/>
+                <a:cs typeface="Arial" panose="020B0604020202020204" pitchFamily="34" charset="0"/>
+              </a:rPr>
+              <a:t>Correct</a:t>
+            </a:r>
+          </a:p>
+        </p:txBody>
+      </p:sp>
+      <p:sp>
+        <p:nvSpPr>
+          <p:cNvPr id="30" name="TextBox 29">
+            <a:extLst>
+              <a:ext uri="{FF2B5EF4-FFF2-40B4-BE49-F238E27FC236}">
+                <a16:creationId xmlns:a16="http://schemas.microsoft.com/office/drawing/2014/main" id="{C00EA236-935F-EF6C-4ED4-8AF73DE70985}"/>
+              </a:ext>
+            </a:extLst>
+          </p:cNvPr>
+          <p:cNvSpPr txBox="1"/>
+          <p:nvPr/>
+        </p:nvSpPr>
+        <p:spPr>
+          <a:xfrm>
+            <a:off x="6016136" y="5791879"/>
+            <a:ext cx="1066863" cy="246221"/>
+          </a:xfrm>
+          <a:prstGeom prst="rect">
+            <a:avLst/>
+          </a:prstGeom>
+          <a:noFill/>
+          <a:ln>
+            <a:noFill/>
+          </a:ln>
+        </p:spPr>
+        <p:txBody>
+          <a:bodyPr wrap="square" rtlCol="0">
+            <a:spAutoFit/>
+          </a:bodyPr>
+          <a:lstStyle/>
+          <a:p>
+            <a:pPr algn="ctr"/>
+            <a:r>
+              <a:rPr lang="en-US" sz="1000" dirty="0">
+                <a:solidFill>
+                  <a:srgbClr val="00B050"/>
+                </a:solidFill>
+                <a:latin typeface="Arial" panose="020B0604020202020204" pitchFamily="34" charset="0"/>
+                <a:cs typeface="Arial" panose="020B0604020202020204" pitchFamily="34" charset="0"/>
+              </a:rPr>
+              <a:t>0</a:t>
+            </a:r>
+          </a:p>
+        </p:txBody>
+      </p:sp>
+      <p:sp>
+        <p:nvSpPr>
+          <p:cNvPr id="39" name="TextBox 38">
+            <a:extLst>
+              <a:ext uri="{FF2B5EF4-FFF2-40B4-BE49-F238E27FC236}">
+                <a16:creationId xmlns:a16="http://schemas.microsoft.com/office/drawing/2014/main" id="{97492F51-0387-1CD9-040A-C9D874054716}"/>
+              </a:ext>
+            </a:extLst>
+          </p:cNvPr>
+          <p:cNvSpPr txBox="1"/>
+          <p:nvPr/>
+        </p:nvSpPr>
+        <p:spPr>
+          <a:xfrm>
+            <a:off x="6016136" y="6045879"/>
+            <a:ext cx="1066863" cy="246221"/>
+          </a:xfrm>
+          <a:prstGeom prst="rect">
+            <a:avLst/>
+          </a:prstGeom>
+          <a:noFill/>
+          <a:ln>
+            <a:noFill/>
+          </a:ln>
+        </p:spPr>
+        <p:txBody>
+          <a:bodyPr wrap="square" rtlCol="0">
+            <a:spAutoFit/>
+          </a:bodyPr>
+          <a:lstStyle/>
+          <a:p>
+            <a:pPr algn="ctr"/>
+            <a:r>
+              <a:rPr lang="en-US" sz="1000" dirty="0">
+                <a:solidFill>
+                  <a:srgbClr val="00B050"/>
+                </a:solidFill>
+                <a:latin typeface="Arial" panose="020B0604020202020204" pitchFamily="34" charset="0"/>
+                <a:cs typeface="Arial" panose="020B0604020202020204" pitchFamily="34" charset="0"/>
+              </a:rPr>
+              <a:t>0</a:t>
+            </a:r>
+          </a:p>
+        </p:txBody>
+      </p:sp>
+      <p:sp>
+        <p:nvSpPr>
+          <p:cNvPr id="40" name="TextBox 39">
+            <a:extLst>
+              <a:ext uri="{FF2B5EF4-FFF2-40B4-BE49-F238E27FC236}">
+                <a16:creationId xmlns:a16="http://schemas.microsoft.com/office/drawing/2014/main" id="{4558B6B8-8D44-79EC-AACE-B90F1076AD52}"/>
+              </a:ext>
+            </a:extLst>
+          </p:cNvPr>
+          <p:cNvSpPr txBox="1"/>
+          <p:nvPr/>
+        </p:nvSpPr>
+        <p:spPr>
+          <a:xfrm>
+            <a:off x="6016136" y="6290354"/>
+            <a:ext cx="1066863" cy="246221"/>
+          </a:xfrm>
+          <a:prstGeom prst="rect">
+            <a:avLst/>
+          </a:prstGeom>
+          <a:noFill/>
+          <a:ln>
+            <a:noFill/>
+          </a:ln>
+        </p:spPr>
+        <p:txBody>
+          <a:bodyPr wrap="square" rtlCol="0">
+            <a:spAutoFit/>
+          </a:bodyPr>
+          <a:lstStyle/>
+          <a:p>
+            <a:pPr algn="ctr"/>
+            <a:r>
+              <a:rPr lang="en-US" sz="1000" dirty="0" err="1">
+                <a:solidFill>
+                  <a:srgbClr val="00B050"/>
+                </a:solidFill>
+                <a:latin typeface="Arial" panose="020B0604020202020204" pitchFamily="34" charset="0"/>
+                <a:cs typeface="Arial" panose="020B0604020202020204" pitchFamily="34" charset="0"/>
+              </a:rPr>
+              <a:t>NaN</a:t>
+            </a:r>
+            <a:endParaRPr lang="en-US" sz="1000" dirty="0">
+              <a:solidFill>
+                <a:srgbClr val="00B050"/>
+              </a:solidFill>
+              <a:latin typeface="Arial" panose="020B0604020202020204" pitchFamily="34" charset="0"/>
+              <a:cs typeface="Arial" panose="020B0604020202020204" pitchFamily="34" charset="0"/>
+            </a:endParaRPr>
+          </a:p>
+        </p:txBody>
+      </p:sp>
+      <p:sp>
+        <p:nvSpPr>
+          <p:cNvPr id="41" name="TextBox 40">
+            <a:extLst>
+              <a:ext uri="{FF2B5EF4-FFF2-40B4-BE49-F238E27FC236}">
+                <a16:creationId xmlns:a16="http://schemas.microsoft.com/office/drawing/2014/main" id="{50450F6F-3F27-1654-7693-7A115666AB73}"/>
+              </a:ext>
+            </a:extLst>
+          </p:cNvPr>
+          <p:cNvSpPr txBox="1"/>
+          <p:nvPr/>
+        </p:nvSpPr>
+        <p:spPr>
+          <a:xfrm>
+            <a:off x="6016136" y="6544354"/>
+            <a:ext cx="1066863" cy="246221"/>
+          </a:xfrm>
+          <a:prstGeom prst="rect">
+            <a:avLst/>
+          </a:prstGeom>
+          <a:noFill/>
+          <a:ln>
+            <a:noFill/>
+          </a:ln>
+        </p:spPr>
+        <p:txBody>
+          <a:bodyPr wrap="square" rtlCol="0">
+            <a:spAutoFit/>
+          </a:bodyPr>
+          <a:lstStyle/>
+          <a:p>
+            <a:pPr algn="ctr"/>
+            <a:r>
+              <a:rPr lang="en-US" sz="1000" dirty="0" err="1">
+                <a:solidFill>
+                  <a:srgbClr val="00B050"/>
+                </a:solidFill>
+                <a:latin typeface="Arial" panose="020B0604020202020204" pitchFamily="34" charset="0"/>
+                <a:cs typeface="Arial" panose="020B0604020202020204" pitchFamily="34" charset="0"/>
+              </a:rPr>
+              <a:t>NaN</a:t>
+            </a:r>
+            <a:endParaRPr lang="en-US" sz="1000" dirty="0">
+              <a:solidFill>
+                <a:srgbClr val="00B050"/>
+              </a:solidFill>
+              <a:latin typeface="Arial" panose="020B0604020202020204" pitchFamily="34" charset="0"/>
+              <a:cs typeface="Arial" panose="020B0604020202020204" pitchFamily="34" charset="0"/>
+            </a:endParaRPr>
+          </a:p>
+        </p:txBody>
+      </p:sp>
+      <p:sp>
+        <p:nvSpPr>
+          <p:cNvPr id="42" name="TextBox 41">
+            <a:extLst>
+              <a:ext uri="{FF2B5EF4-FFF2-40B4-BE49-F238E27FC236}">
+                <a16:creationId xmlns:a16="http://schemas.microsoft.com/office/drawing/2014/main" id="{783904B1-EE41-9317-A74A-36BDE6397A76}"/>
+              </a:ext>
+            </a:extLst>
+          </p:cNvPr>
+          <p:cNvSpPr txBox="1"/>
+          <p:nvPr/>
+        </p:nvSpPr>
+        <p:spPr>
+          <a:xfrm>
+            <a:off x="7465797" y="4558348"/>
+            <a:ext cx="1066863" cy="246221"/>
+          </a:xfrm>
+          <a:prstGeom prst="rect">
+            <a:avLst/>
+          </a:prstGeom>
+          <a:noFill/>
+          <a:ln>
+            <a:noFill/>
+          </a:ln>
+        </p:spPr>
+        <p:txBody>
+          <a:bodyPr wrap="square" rtlCol="0">
+            <a:spAutoFit/>
+          </a:bodyPr>
+          <a:lstStyle/>
+          <a:p>
+            <a:pPr algn="ctr"/>
+            <a:r>
+              <a:rPr lang="en-US" sz="1000" dirty="0">
+                <a:latin typeface="Arial" panose="020B0604020202020204" pitchFamily="34" charset="0"/>
+                <a:cs typeface="Arial" panose="020B0604020202020204" pitchFamily="34" charset="0"/>
+              </a:rPr>
+              <a:t>Bar graph</a:t>
+            </a:r>
+          </a:p>
+        </p:txBody>
+      </p:sp>
+      <p:sp>
+        <p:nvSpPr>
+          <p:cNvPr id="43" name="TextBox 42">
+            <a:extLst>
+              <a:ext uri="{FF2B5EF4-FFF2-40B4-BE49-F238E27FC236}">
+                <a16:creationId xmlns:a16="http://schemas.microsoft.com/office/drawing/2014/main" id="{323A3040-AB5D-A613-B519-343604999D1E}"/>
+              </a:ext>
+            </a:extLst>
+          </p:cNvPr>
+          <p:cNvSpPr txBox="1"/>
+          <p:nvPr/>
+        </p:nvSpPr>
+        <p:spPr>
+          <a:xfrm>
+            <a:off x="7465797" y="4805881"/>
+            <a:ext cx="1066863" cy="246221"/>
+          </a:xfrm>
+          <a:prstGeom prst="rect">
+            <a:avLst/>
+          </a:prstGeom>
+          <a:noFill/>
+          <a:ln>
+            <a:noFill/>
+          </a:ln>
+        </p:spPr>
+        <p:txBody>
+          <a:bodyPr wrap="square" rtlCol="0">
+            <a:spAutoFit/>
+          </a:bodyPr>
+          <a:lstStyle/>
+          <a:p>
+            <a:pPr algn="ctr"/>
+            <a:r>
+              <a:rPr lang="en-US" sz="1000" dirty="0">
+                <a:latin typeface="Arial" panose="020B0604020202020204" pitchFamily="34" charset="0"/>
+                <a:cs typeface="Arial" panose="020B0604020202020204" pitchFamily="34" charset="0"/>
+              </a:rPr>
+              <a:t>Original</a:t>
+            </a:r>
+          </a:p>
+        </p:txBody>
+      </p:sp>
+      <p:sp>
+        <p:nvSpPr>
+          <p:cNvPr id="44" name="TextBox 43">
+            <a:extLst>
+              <a:ext uri="{FF2B5EF4-FFF2-40B4-BE49-F238E27FC236}">
+                <a16:creationId xmlns:a16="http://schemas.microsoft.com/office/drawing/2014/main" id="{CE4C8653-A69D-415C-946A-581A85353811}"/>
+              </a:ext>
+            </a:extLst>
+          </p:cNvPr>
+          <p:cNvSpPr txBox="1"/>
+          <p:nvPr/>
+        </p:nvSpPr>
+        <p:spPr>
+          <a:xfrm>
+            <a:off x="7465797" y="5048973"/>
+            <a:ext cx="1066863" cy="246221"/>
+          </a:xfrm>
+          <a:prstGeom prst="rect">
+            <a:avLst/>
+          </a:prstGeom>
+          <a:noFill/>
+          <a:ln>
+            <a:noFill/>
+          </a:ln>
+        </p:spPr>
+        <p:txBody>
+          <a:bodyPr wrap="square" rtlCol="0">
+            <a:spAutoFit/>
+          </a:bodyPr>
+          <a:lstStyle/>
+          <a:p>
+            <a:pPr algn="ctr"/>
+            <a:r>
+              <a:rPr lang="en-US" sz="1000" dirty="0">
+                <a:latin typeface="Arial" panose="020B0604020202020204" pitchFamily="34" charset="0"/>
+                <a:cs typeface="Arial" panose="020B0604020202020204" pitchFamily="34" charset="0"/>
+              </a:rPr>
+              <a:t>Logarithmic</a:t>
+            </a:r>
+          </a:p>
+        </p:txBody>
+      </p:sp>
+      <p:sp>
+        <p:nvSpPr>
+          <p:cNvPr id="45" name="TextBox 44">
+            <a:extLst>
+              <a:ext uri="{FF2B5EF4-FFF2-40B4-BE49-F238E27FC236}">
+                <a16:creationId xmlns:a16="http://schemas.microsoft.com/office/drawing/2014/main" id="{A583D764-38F7-08CF-87DB-981D8D3ED90C}"/>
+              </a:ext>
+            </a:extLst>
+          </p:cNvPr>
+          <p:cNvSpPr txBox="1"/>
+          <p:nvPr/>
+        </p:nvSpPr>
+        <p:spPr>
+          <a:xfrm>
+            <a:off x="7465797" y="5299796"/>
+            <a:ext cx="1066863" cy="246221"/>
+          </a:xfrm>
+          <a:prstGeom prst="rect">
+            <a:avLst/>
+          </a:prstGeom>
+          <a:noFill/>
+          <a:ln>
+            <a:noFill/>
+          </a:ln>
+        </p:spPr>
+        <p:txBody>
+          <a:bodyPr wrap="square" rtlCol="0">
+            <a:spAutoFit/>
+          </a:bodyPr>
+          <a:lstStyle/>
+          <a:p>
+            <a:pPr algn="ctr"/>
+            <a:r>
+              <a:rPr lang="en-US" sz="1000" dirty="0">
+                <a:solidFill>
+                  <a:srgbClr val="C00000"/>
+                </a:solidFill>
+                <a:latin typeface="Arial" panose="020B0604020202020204" pitchFamily="34" charset="0"/>
+                <a:cs typeface="Arial" panose="020B0604020202020204" pitchFamily="34" charset="0"/>
+              </a:rPr>
+              <a:t>False</a:t>
+            </a:r>
+          </a:p>
+        </p:txBody>
+      </p:sp>
+      <p:sp>
+        <p:nvSpPr>
+          <p:cNvPr id="46" name="TextBox 45">
+            <a:extLst>
+              <a:ext uri="{FF2B5EF4-FFF2-40B4-BE49-F238E27FC236}">
+                <a16:creationId xmlns:a16="http://schemas.microsoft.com/office/drawing/2014/main" id="{56D0F520-BE6F-A78C-0BA0-511EC6D2095B}"/>
+              </a:ext>
+            </a:extLst>
+          </p:cNvPr>
+          <p:cNvSpPr txBox="1"/>
+          <p:nvPr/>
+        </p:nvSpPr>
+        <p:spPr>
+          <a:xfrm>
+            <a:off x="7465797" y="6811904"/>
+            <a:ext cx="1066863" cy="246221"/>
+          </a:xfrm>
+          <a:prstGeom prst="rect">
+            <a:avLst/>
+          </a:prstGeom>
+          <a:solidFill>
+            <a:srgbClr val="C00000">
+              <a:alpha val="50196"/>
+            </a:srgbClr>
+          </a:solidFill>
+          <a:ln>
+            <a:noFill/>
+          </a:ln>
+        </p:spPr>
+        <p:txBody>
+          <a:bodyPr wrap="square" rtlCol="0">
+            <a:spAutoFit/>
+          </a:bodyPr>
+          <a:lstStyle/>
+          <a:p>
+            <a:pPr algn="ctr"/>
+            <a:r>
+              <a:rPr lang="en-US" sz="1000" b="1" dirty="0">
+                <a:latin typeface="Arial" panose="020B0604020202020204" pitchFamily="34" charset="0"/>
+                <a:cs typeface="Arial" panose="020B0604020202020204" pitchFamily="34" charset="0"/>
+              </a:rPr>
+              <a:t>Incorrect</a:t>
+            </a:r>
+          </a:p>
+        </p:txBody>
+      </p:sp>
+      <p:sp>
+        <p:nvSpPr>
+          <p:cNvPr id="47" name="TextBox 46">
+            <a:extLst>
+              <a:ext uri="{FF2B5EF4-FFF2-40B4-BE49-F238E27FC236}">
+                <a16:creationId xmlns:a16="http://schemas.microsoft.com/office/drawing/2014/main" id="{4EFAD4B6-AB08-1283-530D-B5E5406C26F0}"/>
+              </a:ext>
+            </a:extLst>
+          </p:cNvPr>
+          <p:cNvSpPr txBox="1"/>
+          <p:nvPr/>
+        </p:nvSpPr>
+        <p:spPr>
+          <a:xfrm>
+            <a:off x="7465797" y="5791879"/>
+            <a:ext cx="1066863" cy="246221"/>
+          </a:xfrm>
+          <a:prstGeom prst="rect">
+            <a:avLst/>
+          </a:prstGeom>
+          <a:noFill/>
+          <a:ln>
+            <a:noFill/>
+          </a:ln>
+        </p:spPr>
+        <p:txBody>
+          <a:bodyPr wrap="square" rtlCol="0">
+            <a:spAutoFit/>
+          </a:bodyPr>
+          <a:lstStyle/>
+          <a:p>
+            <a:pPr algn="ctr"/>
+            <a:r>
+              <a:rPr lang="en-US" sz="1000" dirty="0">
+                <a:solidFill>
+                  <a:srgbClr val="C00000"/>
+                </a:solidFill>
+                <a:latin typeface="Arial" panose="020B0604020202020204" pitchFamily="34" charset="0"/>
+                <a:cs typeface="Arial" panose="020B0604020202020204" pitchFamily="34" charset="0"/>
+              </a:rPr>
+              <a:t>–1.01</a:t>
+            </a:r>
+          </a:p>
+        </p:txBody>
+      </p:sp>
+      <p:sp>
+        <p:nvSpPr>
+          <p:cNvPr id="48" name="TextBox 47">
+            <a:extLst>
+              <a:ext uri="{FF2B5EF4-FFF2-40B4-BE49-F238E27FC236}">
+                <a16:creationId xmlns:a16="http://schemas.microsoft.com/office/drawing/2014/main" id="{445C08C1-AFA9-C83C-0DBF-358DAB013BF7}"/>
+              </a:ext>
+            </a:extLst>
+          </p:cNvPr>
+          <p:cNvSpPr txBox="1"/>
+          <p:nvPr/>
+        </p:nvSpPr>
+        <p:spPr>
+          <a:xfrm>
+            <a:off x="7465797" y="6045879"/>
+            <a:ext cx="1066863" cy="246221"/>
+          </a:xfrm>
+          <a:prstGeom prst="rect">
+            <a:avLst/>
+          </a:prstGeom>
+          <a:noFill/>
+          <a:ln>
+            <a:noFill/>
+          </a:ln>
+        </p:spPr>
+        <p:txBody>
+          <a:bodyPr wrap="square" rtlCol="0">
+            <a:spAutoFit/>
+          </a:bodyPr>
+          <a:lstStyle/>
+          <a:p>
+            <a:pPr algn="ctr"/>
+            <a:r>
+              <a:rPr lang="en-US" sz="1000" dirty="0">
+                <a:solidFill>
+                  <a:srgbClr val="C00000"/>
+                </a:solidFill>
+                <a:latin typeface="Arial" panose="020B0604020202020204" pitchFamily="34" charset="0"/>
+                <a:cs typeface="Arial" panose="020B0604020202020204" pitchFamily="34" charset="0"/>
+              </a:rPr>
+              <a:t>1.48</a:t>
+            </a:r>
+          </a:p>
+        </p:txBody>
+      </p:sp>
+      <p:sp>
+        <p:nvSpPr>
+          <p:cNvPr id="49" name="TextBox 48">
+            <a:extLst>
+              <a:ext uri="{FF2B5EF4-FFF2-40B4-BE49-F238E27FC236}">
+                <a16:creationId xmlns:a16="http://schemas.microsoft.com/office/drawing/2014/main" id="{71ABC646-235F-2125-2445-A314EBFB10F7}"/>
+              </a:ext>
+            </a:extLst>
+          </p:cNvPr>
+          <p:cNvSpPr txBox="1"/>
+          <p:nvPr/>
+        </p:nvSpPr>
+        <p:spPr>
+          <a:xfrm>
+            <a:off x="7465797" y="6290354"/>
+            <a:ext cx="1066863" cy="246221"/>
+          </a:xfrm>
+          <a:prstGeom prst="rect">
+            <a:avLst/>
+          </a:prstGeom>
+          <a:noFill/>
+          <a:ln>
+            <a:noFill/>
+          </a:ln>
+        </p:spPr>
+        <p:txBody>
+          <a:bodyPr wrap="square" rtlCol="0">
+            <a:spAutoFit/>
+          </a:bodyPr>
+          <a:lstStyle/>
+          <a:p>
+            <a:pPr algn="ctr"/>
+            <a:r>
+              <a:rPr lang="en-US" sz="1000" dirty="0">
+                <a:solidFill>
+                  <a:srgbClr val="C00000"/>
+                </a:solidFill>
+                <a:latin typeface="Arial" panose="020B0604020202020204" pitchFamily="34" charset="0"/>
+                <a:cs typeface="Arial" panose="020B0604020202020204" pitchFamily="34" charset="0"/>
+              </a:rPr>
+              <a:t>1.05</a:t>
+            </a:r>
+          </a:p>
+        </p:txBody>
+      </p:sp>
+      <p:sp>
+        <p:nvSpPr>
+          <p:cNvPr id="50" name="TextBox 49">
+            <a:extLst>
+              <a:ext uri="{FF2B5EF4-FFF2-40B4-BE49-F238E27FC236}">
+                <a16:creationId xmlns:a16="http://schemas.microsoft.com/office/drawing/2014/main" id="{12361291-2011-5658-A35C-96CC1CD48AF0}"/>
+              </a:ext>
+            </a:extLst>
+          </p:cNvPr>
+          <p:cNvSpPr txBox="1"/>
+          <p:nvPr/>
+        </p:nvSpPr>
+        <p:spPr>
+          <a:xfrm>
+            <a:off x="7465797" y="6544354"/>
+            <a:ext cx="1066863" cy="246221"/>
+          </a:xfrm>
+          <a:prstGeom prst="rect">
+            <a:avLst/>
+          </a:prstGeom>
+          <a:noFill/>
+          <a:ln>
+            <a:noFill/>
+          </a:ln>
+        </p:spPr>
+        <p:txBody>
+          <a:bodyPr wrap="square" rtlCol="0">
+            <a:spAutoFit/>
+          </a:bodyPr>
+          <a:lstStyle/>
+          <a:p>
+            <a:pPr algn="ctr"/>
+            <a:r>
+              <a:rPr lang="en-US" sz="1000" dirty="0">
+                <a:solidFill>
+                  <a:srgbClr val="C00000"/>
+                </a:solidFill>
+                <a:latin typeface="Arial" panose="020B0604020202020204" pitchFamily="34" charset="0"/>
+                <a:cs typeface="Arial" panose="020B0604020202020204" pitchFamily="34" charset="0"/>
+              </a:rPr>
+              <a:t>0.14</a:t>
+            </a:r>
+          </a:p>
+        </p:txBody>
+      </p:sp>
+      <p:sp>
+        <p:nvSpPr>
+          <p:cNvPr id="61" name="TextBox 60">
+            <a:extLst>
+              <a:ext uri="{FF2B5EF4-FFF2-40B4-BE49-F238E27FC236}">
+                <a16:creationId xmlns:a16="http://schemas.microsoft.com/office/drawing/2014/main" id="{1BAFE055-9B49-4F90-073C-4D7B7E7B8D23}"/>
+              </a:ext>
+            </a:extLst>
+          </p:cNvPr>
+          <p:cNvSpPr txBox="1"/>
+          <p:nvPr/>
+        </p:nvSpPr>
+        <p:spPr>
+          <a:xfrm>
+            <a:off x="8880577" y="4558348"/>
+            <a:ext cx="1066863" cy="246221"/>
+          </a:xfrm>
+          <a:prstGeom prst="rect">
+            <a:avLst/>
+          </a:prstGeom>
+          <a:noFill/>
+          <a:ln>
+            <a:noFill/>
+          </a:ln>
+        </p:spPr>
+        <p:txBody>
+          <a:bodyPr wrap="square" rtlCol="0">
+            <a:spAutoFit/>
+          </a:bodyPr>
+          <a:lstStyle/>
+          <a:p>
+            <a:pPr algn="ctr"/>
+            <a:r>
+              <a:rPr lang="en-US" sz="1000" dirty="0">
+                <a:latin typeface="Arial" panose="020B0604020202020204" pitchFamily="34" charset="0"/>
+                <a:cs typeface="Arial" panose="020B0604020202020204" pitchFamily="34" charset="0"/>
+              </a:rPr>
+              <a:t>Bar graph</a:t>
+            </a:r>
+          </a:p>
+        </p:txBody>
+      </p:sp>
+      <p:sp>
+        <p:nvSpPr>
+          <p:cNvPr id="62" name="TextBox 61">
+            <a:extLst>
+              <a:ext uri="{FF2B5EF4-FFF2-40B4-BE49-F238E27FC236}">
+                <a16:creationId xmlns:a16="http://schemas.microsoft.com/office/drawing/2014/main" id="{7B23019A-662D-C8DD-DECB-1E5C1D74529A}"/>
+              </a:ext>
+            </a:extLst>
+          </p:cNvPr>
+          <p:cNvSpPr txBox="1"/>
+          <p:nvPr/>
+        </p:nvSpPr>
+        <p:spPr>
+          <a:xfrm>
+            <a:off x="8836633" y="4805881"/>
+            <a:ext cx="1154750" cy="246221"/>
+          </a:xfrm>
+          <a:prstGeom prst="rect">
+            <a:avLst/>
+          </a:prstGeom>
+          <a:noFill/>
+          <a:ln>
+            <a:noFill/>
+          </a:ln>
+        </p:spPr>
+        <p:txBody>
+          <a:bodyPr wrap="square" rtlCol="0">
+            <a:spAutoFit/>
+          </a:bodyPr>
+          <a:lstStyle/>
+          <a:p>
+            <a:pPr algn="ctr"/>
+            <a:r>
+              <a:rPr lang="en-US" sz="1000" dirty="0">
+                <a:latin typeface="Arial" panose="020B0604020202020204" pitchFamily="34" charset="0"/>
+                <a:cs typeface="Arial" panose="020B0604020202020204" pitchFamily="34" charset="0"/>
+              </a:rPr>
+              <a:t>Original</a:t>
+            </a:r>
+          </a:p>
+        </p:txBody>
+      </p:sp>
+      <p:sp>
+        <p:nvSpPr>
+          <p:cNvPr id="63" name="TextBox 62">
+            <a:extLst>
+              <a:ext uri="{FF2B5EF4-FFF2-40B4-BE49-F238E27FC236}">
+                <a16:creationId xmlns:a16="http://schemas.microsoft.com/office/drawing/2014/main" id="{B2E2E90B-B63F-5F0D-FD75-7A38F4FC27E6}"/>
+              </a:ext>
+            </a:extLst>
+          </p:cNvPr>
+          <p:cNvSpPr txBox="1"/>
+          <p:nvPr/>
+        </p:nvSpPr>
+        <p:spPr>
+          <a:xfrm>
+            <a:off x="8880577" y="5048973"/>
+            <a:ext cx="1066863" cy="246221"/>
+          </a:xfrm>
+          <a:prstGeom prst="rect">
+            <a:avLst/>
+          </a:prstGeom>
+          <a:noFill/>
+          <a:ln>
+            <a:noFill/>
+          </a:ln>
+        </p:spPr>
+        <p:txBody>
+          <a:bodyPr wrap="square" rtlCol="0">
+            <a:spAutoFit/>
+          </a:bodyPr>
+          <a:lstStyle/>
+          <a:p>
+            <a:pPr algn="ctr"/>
+            <a:r>
+              <a:rPr lang="en-US" sz="1000" dirty="0">
+                <a:latin typeface="Arial" panose="020B0604020202020204" pitchFamily="34" charset="0"/>
+                <a:cs typeface="Arial" panose="020B0604020202020204" pitchFamily="34" charset="0"/>
+              </a:rPr>
+              <a:t>Logarithmic</a:t>
+            </a:r>
+          </a:p>
+        </p:txBody>
+      </p:sp>
+      <p:sp>
+        <p:nvSpPr>
+          <p:cNvPr id="64" name="TextBox 63">
+            <a:extLst>
+              <a:ext uri="{FF2B5EF4-FFF2-40B4-BE49-F238E27FC236}">
+                <a16:creationId xmlns:a16="http://schemas.microsoft.com/office/drawing/2014/main" id="{29B86CDA-6EE6-FDC2-3189-E531E300A54E}"/>
+              </a:ext>
+            </a:extLst>
+          </p:cNvPr>
+          <p:cNvSpPr txBox="1"/>
+          <p:nvPr/>
+        </p:nvSpPr>
+        <p:spPr>
+          <a:xfrm>
+            <a:off x="8880577" y="5299796"/>
+            <a:ext cx="1066863" cy="246221"/>
+          </a:xfrm>
+          <a:prstGeom prst="rect">
+            <a:avLst/>
+          </a:prstGeom>
+          <a:noFill/>
+          <a:ln>
+            <a:noFill/>
+          </a:ln>
+        </p:spPr>
+        <p:txBody>
+          <a:bodyPr wrap="square" rtlCol="0">
+            <a:spAutoFit/>
+          </a:bodyPr>
+          <a:lstStyle/>
+          <a:p>
+            <a:pPr algn="ctr"/>
+            <a:r>
+              <a:rPr lang="en-US" sz="1000" dirty="0">
+                <a:solidFill>
+                  <a:srgbClr val="C00000"/>
+                </a:solidFill>
+                <a:latin typeface="Arial" panose="020B0604020202020204" pitchFamily="34" charset="0"/>
+                <a:cs typeface="Arial" panose="020B0604020202020204" pitchFamily="34" charset="0"/>
+              </a:rPr>
+              <a:t>False</a:t>
+            </a:r>
+          </a:p>
+        </p:txBody>
+      </p:sp>
+      <p:sp>
+        <p:nvSpPr>
+          <p:cNvPr id="65" name="TextBox 64">
+            <a:extLst>
+              <a:ext uri="{FF2B5EF4-FFF2-40B4-BE49-F238E27FC236}">
+                <a16:creationId xmlns:a16="http://schemas.microsoft.com/office/drawing/2014/main" id="{17EBBF58-6E67-EFEB-2CE8-62E74362E7A7}"/>
+              </a:ext>
+            </a:extLst>
+          </p:cNvPr>
+          <p:cNvSpPr txBox="1"/>
+          <p:nvPr/>
+        </p:nvSpPr>
+        <p:spPr>
+          <a:xfrm>
+            <a:off x="8880577" y="6811904"/>
+            <a:ext cx="1066863" cy="246221"/>
+          </a:xfrm>
+          <a:prstGeom prst="rect">
+            <a:avLst/>
+          </a:prstGeom>
+          <a:solidFill>
+            <a:srgbClr val="C00000">
+              <a:alpha val="50196"/>
+            </a:srgbClr>
+          </a:solidFill>
+          <a:ln>
+            <a:noFill/>
+          </a:ln>
+        </p:spPr>
+        <p:txBody>
+          <a:bodyPr wrap="square" rtlCol="0">
+            <a:spAutoFit/>
+          </a:bodyPr>
+          <a:lstStyle/>
+          <a:p>
+            <a:pPr algn="ctr"/>
+            <a:r>
+              <a:rPr lang="en-US" sz="1000" b="1" dirty="0">
+                <a:latin typeface="Arial" panose="020B0604020202020204" pitchFamily="34" charset="0"/>
+                <a:cs typeface="Arial" panose="020B0604020202020204" pitchFamily="34" charset="0"/>
+              </a:rPr>
+              <a:t>Incorrect</a:t>
+            </a:r>
+          </a:p>
+        </p:txBody>
+      </p:sp>
+      <p:sp>
+        <p:nvSpPr>
+          <p:cNvPr id="66" name="TextBox 65">
+            <a:extLst>
+              <a:ext uri="{FF2B5EF4-FFF2-40B4-BE49-F238E27FC236}">
+                <a16:creationId xmlns:a16="http://schemas.microsoft.com/office/drawing/2014/main" id="{F9B3FB25-ED22-49C8-CBBE-35310078C617}"/>
+              </a:ext>
+            </a:extLst>
+          </p:cNvPr>
+          <p:cNvSpPr txBox="1"/>
+          <p:nvPr/>
+        </p:nvSpPr>
+        <p:spPr>
+          <a:xfrm>
+            <a:off x="8880577" y="5791879"/>
+            <a:ext cx="1066863" cy="246221"/>
+          </a:xfrm>
+          <a:prstGeom prst="rect">
+            <a:avLst/>
+          </a:prstGeom>
+          <a:noFill/>
+          <a:ln>
+            <a:noFill/>
+          </a:ln>
+        </p:spPr>
+        <p:txBody>
+          <a:bodyPr wrap="square" rtlCol="0">
+            <a:spAutoFit/>
+          </a:bodyPr>
+          <a:lstStyle/>
+          <a:p>
+            <a:pPr algn="ctr"/>
+            <a:r>
+              <a:rPr lang="en-US" sz="1000" dirty="0">
+                <a:solidFill>
+                  <a:srgbClr val="C00000"/>
+                </a:solidFill>
+                <a:latin typeface="Arial" panose="020B0604020202020204" pitchFamily="34" charset="0"/>
+                <a:cs typeface="Arial" panose="020B0604020202020204" pitchFamily="34" charset="0"/>
+              </a:rPr>
+              <a:t>Inf</a:t>
+            </a:r>
+          </a:p>
+        </p:txBody>
+      </p:sp>
+      <p:sp>
+        <p:nvSpPr>
+          <p:cNvPr id="67" name="TextBox 66">
+            <a:extLst>
+              <a:ext uri="{FF2B5EF4-FFF2-40B4-BE49-F238E27FC236}">
+                <a16:creationId xmlns:a16="http://schemas.microsoft.com/office/drawing/2014/main" id="{05A80642-BA35-33C3-A012-A60B4BB424FA}"/>
+              </a:ext>
+            </a:extLst>
+          </p:cNvPr>
+          <p:cNvSpPr txBox="1"/>
+          <p:nvPr/>
+        </p:nvSpPr>
+        <p:spPr>
+          <a:xfrm>
+            <a:off x="8880577" y="6045879"/>
+            <a:ext cx="1066863" cy="246221"/>
+          </a:xfrm>
+          <a:prstGeom prst="rect">
+            <a:avLst/>
+          </a:prstGeom>
+          <a:noFill/>
+          <a:ln>
+            <a:noFill/>
+          </a:ln>
+        </p:spPr>
+        <p:txBody>
+          <a:bodyPr wrap="square" rtlCol="0">
+            <a:spAutoFit/>
+          </a:bodyPr>
+          <a:lstStyle/>
+          <a:p>
+            <a:pPr algn="ctr"/>
+            <a:r>
+              <a:rPr lang="en-US" sz="1000" dirty="0">
+                <a:solidFill>
+                  <a:srgbClr val="C00000"/>
+                </a:solidFill>
+                <a:latin typeface="Arial" panose="020B0604020202020204" pitchFamily="34" charset="0"/>
+                <a:cs typeface="Arial" panose="020B0604020202020204" pitchFamily="34" charset="0"/>
+              </a:rPr>
+              <a:t>–Inf</a:t>
+            </a:r>
+          </a:p>
+        </p:txBody>
+      </p:sp>
+      <p:sp>
+        <p:nvSpPr>
+          <p:cNvPr id="68" name="TextBox 67">
+            <a:extLst>
+              <a:ext uri="{FF2B5EF4-FFF2-40B4-BE49-F238E27FC236}">
+                <a16:creationId xmlns:a16="http://schemas.microsoft.com/office/drawing/2014/main" id="{35DD07A2-78FC-B7E6-2770-0564C54E3C1F}"/>
+              </a:ext>
+            </a:extLst>
+          </p:cNvPr>
+          <p:cNvSpPr txBox="1"/>
+          <p:nvPr/>
+        </p:nvSpPr>
+        <p:spPr>
+          <a:xfrm>
+            <a:off x="8880577" y="6290354"/>
+            <a:ext cx="1066863" cy="246221"/>
+          </a:xfrm>
+          <a:prstGeom prst="rect">
+            <a:avLst/>
+          </a:prstGeom>
+          <a:noFill/>
+          <a:ln>
+            <a:noFill/>
+          </a:ln>
+        </p:spPr>
+        <p:txBody>
+          <a:bodyPr wrap="square" rtlCol="0">
+            <a:spAutoFit/>
+          </a:bodyPr>
+          <a:lstStyle/>
+          <a:p>
+            <a:pPr algn="ctr"/>
+            <a:r>
+              <a:rPr lang="en-US" sz="1000" dirty="0">
+                <a:solidFill>
+                  <a:srgbClr val="C00000"/>
+                </a:solidFill>
+                <a:latin typeface="Arial" panose="020B0604020202020204" pitchFamily="34" charset="0"/>
+                <a:cs typeface="Arial" panose="020B0604020202020204" pitchFamily="34" charset="0"/>
+              </a:rPr>
+              <a:t>Inf</a:t>
+            </a:r>
+          </a:p>
+        </p:txBody>
+      </p:sp>
+      <p:sp>
+        <p:nvSpPr>
+          <p:cNvPr id="69" name="TextBox 68">
+            <a:extLst>
+              <a:ext uri="{FF2B5EF4-FFF2-40B4-BE49-F238E27FC236}">
+                <a16:creationId xmlns:a16="http://schemas.microsoft.com/office/drawing/2014/main" id="{DC53B881-F5C0-786C-0591-05869AC021A6}"/>
+              </a:ext>
+            </a:extLst>
+          </p:cNvPr>
+          <p:cNvSpPr txBox="1"/>
+          <p:nvPr/>
+        </p:nvSpPr>
+        <p:spPr>
+          <a:xfrm>
+            <a:off x="8880577" y="6544354"/>
+            <a:ext cx="1066863" cy="246221"/>
+          </a:xfrm>
+          <a:prstGeom prst="rect">
+            <a:avLst/>
+          </a:prstGeom>
+          <a:noFill/>
+          <a:ln>
+            <a:noFill/>
+          </a:ln>
+        </p:spPr>
+        <p:txBody>
+          <a:bodyPr wrap="square" rtlCol="0">
+            <a:spAutoFit/>
+          </a:bodyPr>
+          <a:lstStyle/>
+          <a:p>
+            <a:pPr algn="ctr"/>
+            <a:r>
+              <a:rPr lang="en-US" sz="1000" dirty="0">
+                <a:solidFill>
+                  <a:srgbClr val="C00000"/>
+                </a:solidFill>
+                <a:latin typeface="Arial" panose="020B0604020202020204" pitchFamily="34" charset="0"/>
+                <a:cs typeface="Arial" panose="020B0604020202020204" pitchFamily="34" charset="0"/>
+              </a:rPr>
+              <a:t>Inf</a:t>
+            </a:r>
+          </a:p>
+        </p:txBody>
+      </p:sp>
+      <p:sp>
+        <p:nvSpPr>
+          <p:cNvPr id="70" name="TextBox 69">
+            <a:extLst>
+              <a:ext uri="{FF2B5EF4-FFF2-40B4-BE49-F238E27FC236}">
+                <a16:creationId xmlns:a16="http://schemas.microsoft.com/office/drawing/2014/main" id="{3C7D8780-E5A3-86BD-F6A0-598DB289C7C2}"/>
+              </a:ext>
+            </a:extLst>
+          </p:cNvPr>
+          <p:cNvSpPr txBox="1"/>
+          <p:nvPr/>
+        </p:nvSpPr>
+        <p:spPr>
+          <a:xfrm>
+            <a:off x="5802213" y="1615858"/>
+            <a:ext cx="255199" cy="246221"/>
+          </a:xfrm>
+          <a:prstGeom prst="rect">
+            <a:avLst/>
+          </a:prstGeom>
+          <a:noFill/>
+          <a:ln>
+            <a:noFill/>
+          </a:ln>
+        </p:spPr>
+        <p:txBody>
+          <a:bodyPr wrap="none" rtlCol="0">
+            <a:spAutoFit/>
+          </a:bodyPr>
+          <a:lstStyle/>
+          <a:p>
+            <a:pPr algn="ctr"/>
+            <a:r>
+              <a:rPr lang="en-US" sz="1000" b="1" dirty="0">
+                <a:latin typeface="Arial" panose="020B0604020202020204" pitchFamily="34" charset="0"/>
+                <a:cs typeface="Arial" panose="020B0604020202020204" pitchFamily="34" charset="0"/>
+              </a:rPr>
+              <a:t>c</a:t>
+            </a:r>
+          </a:p>
+        </p:txBody>
+      </p:sp>
+      <p:sp>
+        <p:nvSpPr>
+          <p:cNvPr id="71" name="TextBox 70">
+            <a:extLst>
+              <a:ext uri="{FF2B5EF4-FFF2-40B4-BE49-F238E27FC236}">
+                <a16:creationId xmlns:a16="http://schemas.microsoft.com/office/drawing/2014/main" id="{8409AC3F-A707-27E8-9CD1-4D953B2E1ADA}"/>
+              </a:ext>
+            </a:extLst>
+          </p:cNvPr>
+          <p:cNvSpPr txBox="1"/>
+          <p:nvPr/>
+        </p:nvSpPr>
+        <p:spPr>
+          <a:xfrm>
+            <a:off x="7177555" y="1615858"/>
+            <a:ext cx="263214" cy="246221"/>
+          </a:xfrm>
+          <a:prstGeom prst="rect">
+            <a:avLst/>
+          </a:prstGeom>
+          <a:noFill/>
+          <a:ln>
+            <a:noFill/>
+          </a:ln>
+        </p:spPr>
+        <p:txBody>
+          <a:bodyPr wrap="none" rtlCol="0">
+            <a:spAutoFit/>
+          </a:bodyPr>
+          <a:lstStyle/>
+          <a:p>
+            <a:pPr algn="ctr"/>
+            <a:r>
+              <a:rPr lang="en-US" sz="1000" b="1" dirty="0">
+                <a:latin typeface="Arial" panose="020B0604020202020204" pitchFamily="34" charset="0"/>
+                <a:cs typeface="Arial" panose="020B0604020202020204" pitchFamily="34" charset="0"/>
+              </a:rPr>
+              <a:t>d</a:t>
+            </a:r>
+          </a:p>
+        </p:txBody>
+      </p:sp>
+      <p:sp>
+        <p:nvSpPr>
+          <p:cNvPr id="72" name="TextBox 71">
+            <a:extLst>
+              <a:ext uri="{FF2B5EF4-FFF2-40B4-BE49-F238E27FC236}">
+                <a16:creationId xmlns:a16="http://schemas.microsoft.com/office/drawing/2014/main" id="{331A1301-F9AD-7AC5-749F-24966E96BB7A}"/>
+              </a:ext>
+            </a:extLst>
+          </p:cNvPr>
+          <p:cNvSpPr txBox="1"/>
+          <p:nvPr/>
+        </p:nvSpPr>
+        <p:spPr>
+          <a:xfrm>
+            <a:off x="8653902" y="1615858"/>
+            <a:ext cx="255199" cy="246221"/>
+          </a:xfrm>
+          <a:prstGeom prst="rect">
+            <a:avLst/>
+          </a:prstGeom>
+          <a:noFill/>
+          <a:ln>
+            <a:noFill/>
+          </a:ln>
+        </p:spPr>
+        <p:txBody>
+          <a:bodyPr wrap="none" rtlCol="0">
+            <a:spAutoFit/>
+          </a:bodyPr>
+          <a:lstStyle/>
+          <a:p>
+            <a:pPr algn="ctr"/>
+            <a:r>
+              <a:rPr lang="en-US" sz="1000" b="1" dirty="0">
+                <a:latin typeface="Arial" panose="020B0604020202020204" pitchFamily="34" charset="0"/>
+                <a:cs typeface="Arial" panose="020B0604020202020204" pitchFamily="34" charset="0"/>
+              </a:rPr>
+              <a:t>e</a:t>
+            </a:r>
+          </a:p>
+        </p:txBody>
+      </p:sp>
+      <p:sp>
+        <p:nvSpPr>
+          <p:cNvPr id="2" name="TextBox 1">
+            <a:extLst>
+              <a:ext uri="{FF2B5EF4-FFF2-40B4-BE49-F238E27FC236}">
+                <a16:creationId xmlns:a16="http://schemas.microsoft.com/office/drawing/2014/main" id="{56C10BA3-DF10-7340-357A-C36C2FE44C4B}"/>
+              </a:ext>
+            </a:extLst>
+          </p:cNvPr>
+          <p:cNvSpPr txBox="1"/>
+          <p:nvPr/>
+        </p:nvSpPr>
+        <p:spPr>
+          <a:xfrm>
+            <a:off x="10297897" y="4558348"/>
+            <a:ext cx="1066863" cy="246221"/>
+          </a:xfrm>
+          <a:prstGeom prst="rect">
+            <a:avLst/>
+          </a:prstGeom>
+          <a:noFill/>
+          <a:ln>
+            <a:noFill/>
+          </a:ln>
+        </p:spPr>
+        <p:txBody>
+          <a:bodyPr wrap="square" rtlCol="0">
+            <a:spAutoFit/>
+          </a:bodyPr>
+          <a:lstStyle/>
+          <a:p>
+            <a:pPr algn="ctr"/>
+            <a:r>
+              <a:rPr lang="en-US" sz="1000" dirty="0">
+                <a:latin typeface="Arial" panose="020B0604020202020204" pitchFamily="34" charset="0"/>
+                <a:cs typeface="Arial" panose="020B0604020202020204" pitchFamily="34" charset="0"/>
+              </a:rPr>
+              <a:t>Bar graph</a:t>
+            </a:r>
+          </a:p>
+        </p:txBody>
+      </p:sp>
+      <p:sp>
+        <p:nvSpPr>
+          <p:cNvPr id="51" name="TextBox 50">
+            <a:extLst>
+              <a:ext uri="{FF2B5EF4-FFF2-40B4-BE49-F238E27FC236}">
+                <a16:creationId xmlns:a16="http://schemas.microsoft.com/office/drawing/2014/main" id="{77447261-C738-9BFE-FEDC-3B3B15534FA4}"/>
+              </a:ext>
+            </a:extLst>
+          </p:cNvPr>
+          <p:cNvSpPr txBox="1"/>
+          <p:nvPr/>
+        </p:nvSpPr>
+        <p:spPr>
+          <a:xfrm>
+            <a:off x="10253953" y="4805881"/>
+            <a:ext cx="1154750" cy="246221"/>
+          </a:xfrm>
+          <a:prstGeom prst="rect">
+            <a:avLst/>
+          </a:prstGeom>
+          <a:noFill/>
+          <a:ln>
+            <a:noFill/>
+          </a:ln>
+        </p:spPr>
+        <p:txBody>
+          <a:bodyPr wrap="square" rtlCol="0">
+            <a:spAutoFit/>
+          </a:bodyPr>
+          <a:lstStyle/>
+          <a:p>
+            <a:pPr algn="ctr"/>
+            <a:r>
+              <a:rPr lang="en-US" sz="1000" dirty="0">
+                <a:latin typeface="Arial" panose="020B0604020202020204" pitchFamily="34" charset="0"/>
+                <a:cs typeface="Arial" panose="020B0604020202020204" pitchFamily="34" charset="0"/>
+              </a:rPr>
+              <a:t>Original</a:t>
+            </a:r>
+          </a:p>
+        </p:txBody>
+      </p:sp>
+      <p:sp>
+        <p:nvSpPr>
+          <p:cNvPr id="52" name="TextBox 51">
+            <a:extLst>
+              <a:ext uri="{FF2B5EF4-FFF2-40B4-BE49-F238E27FC236}">
+                <a16:creationId xmlns:a16="http://schemas.microsoft.com/office/drawing/2014/main" id="{9CE44E29-B2C6-6CB4-41AE-D99C563F33BB}"/>
+              </a:ext>
+            </a:extLst>
+          </p:cNvPr>
+          <p:cNvSpPr txBox="1"/>
+          <p:nvPr/>
+        </p:nvSpPr>
+        <p:spPr>
+          <a:xfrm>
+            <a:off x="10297897" y="5048973"/>
+            <a:ext cx="1066863" cy="246221"/>
+          </a:xfrm>
+          <a:prstGeom prst="rect">
+            <a:avLst/>
+          </a:prstGeom>
+          <a:noFill/>
+          <a:ln>
+            <a:noFill/>
+          </a:ln>
+        </p:spPr>
+        <p:txBody>
+          <a:bodyPr wrap="square" rtlCol="0">
+            <a:spAutoFit/>
+          </a:bodyPr>
+          <a:lstStyle/>
+          <a:p>
+            <a:pPr algn="ctr"/>
+            <a:r>
+              <a:rPr lang="en-US" sz="1000" dirty="0">
+                <a:latin typeface="Arial" panose="020B0604020202020204" pitchFamily="34" charset="0"/>
+                <a:cs typeface="Arial" panose="020B0604020202020204" pitchFamily="34" charset="0"/>
+              </a:rPr>
+              <a:t>Linear</a:t>
+            </a:r>
+          </a:p>
+        </p:txBody>
+      </p:sp>
+      <p:sp>
+        <p:nvSpPr>
+          <p:cNvPr id="53" name="TextBox 52">
+            <a:extLst>
+              <a:ext uri="{FF2B5EF4-FFF2-40B4-BE49-F238E27FC236}">
+                <a16:creationId xmlns:a16="http://schemas.microsoft.com/office/drawing/2014/main" id="{4C94F53B-C127-DAE1-9E83-EEA7624CA431}"/>
+              </a:ext>
+            </a:extLst>
+          </p:cNvPr>
+          <p:cNvSpPr txBox="1"/>
+          <p:nvPr/>
+        </p:nvSpPr>
+        <p:spPr>
+          <a:xfrm>
+            <a:off x="10297897" y="5299796"/>
+            <a:ext cx="1066863" cy="246221"/>
+          </a:xfrm>
+          <a:prstGeom prst="rect">
+            <a:avLst/>
+          </a:prstGeom>
+          <a:noFill/>
+          <a:ln>
+            <a:noFill/>
+          </a:ln>
+        </p:spPr>
+        <p:txBody>
+          <a:bodyPr wrap="square" rtlCol="0">
+            <a:spAutoFit/>
+          </a:bodyPr>
+          <a:lstStyle/>
+          <a:p>
+            <a:pPr algn="ctr"/>
+            <a:r>
+              <a:rPr lang="en-US" sz="1000" dirty="0">
+                <a:solidFill>
+                  <a:srgbClr val="C00000"/>
+                </a:solidFill>
+                <a:latin typeface="Arial" panose="020B0604020202020204" pitchFamily="34" charset="0"/>
+                <a:cs typeface="Arial" panose="020B0604020202020204" pitchFamily="34" charset="0"/>
+              </a:rPr>
+              <a:t>False</a:t>
+            </a:r>
+          </a:p>
+        </p:txBody>
+      </p:sp>
+      <p:sp>
+        <p:nvSpPr>
+          <p:cNvPr id="54" name="TextBox 53">
+            <a:extLst>
+              <a:ext uri="{FF2B5EF4-FFF2-40B4-BE49-F238E27FC236}">
+                <a16:creationId xmlns:a16="http://schemas.microsoft.com/office/drawing/2014/main" id="{C794E1CF-0E53-E677-4763-83D95FA458A2}"/>
+              </a:ext>
+            </a:extLst>
+          </p:cNvPr>
+          <p:cNvSpPr txBox="1"/>
+          <p:nvPr/>
+        </p:nvSpPr>
+        <p:spPr>
+          <a:xfrm>
+            <a:off x="10297897" y="6811904"/>
+            <a:ext cx="1066863" cy="246221"/>
+          </a:xfrm>
+          <a:prstGeom prst="rect">
+            <a:avLst/>
+          </a:prstGeom>
+          <a:solidFill>
+            <a:srgbClr val="C00000">
+              <a:alpha val="50196"/>
+            </a:srgbClr>
+          </a:solidFill>
+          <a:ln>
+            <a:noFill/>
+          </a:ln>
+        </p:spPr>
+        <p:txBody>
+          <a:bodyPr wrap="square" rtlCol="0">
+            <a:spAutoFit/>
+          </a:bodyPr>
+          <a:lstStyle/>
+          <a:p>
+            <a:pPr algn="ctr"/>
+            <a:r>
+              <a:rPr lang="en-US" sz="1000" b="1" dirty="0">
+                <a:latin typeface="Arial" panose="020B0604020202020204" pitchFamily="34" charset="0"/>
+                <a:cs typeface="Arial" panose="020B0604020202020204" pitchFamily="34" charset="0"/>
+              </a:rPr>
+              <a:t>Incorrect</a:t>
+            </a:r>
+          </a:p>
+        </p:txBody>
+      </p:sp>
+      <p:sp>
+        <p:nvSpPr>
+          <p:cNvPr id="55" name="TextBox 54">
+            <a:extLst>
+              <a:ext uri="{FF2B5EF4-FFF2-40B4-BE49-F238E27FC236}">
+                <a16:creationId xmlns:a16="http://schemas.microsoft.com/office/drawing/2014/main" id="{1B7B729F-2DD2-8E76-B787-B7F08DE6E42F}"/>
+              </a:ext>
+            </a:extLst>
+          </p:cNvPr>
+          <p:cNvSpPr txBox="1"/>
+          <p:nvPr/>
+        </p:nvSpPr>
+        <p:spPr>
+          <a:xfrm>
+            <a:off x="10297897" y="5791879"/>
+            <a:ext cx="1066863" cy="246221"/>
+          </a:xfrm>
+          <a:prstGeom prst="rect">
+            <a:avLst/>
+          </a:prstGeom>
+          <a:noFill/>
+          <a:ln>
+            <a:noFill/>
+          </a:ln>
+        </p:spPr>
+        <p:txBody>
+          <a:bodyPr wrap="square" rtlCol="0">
+            <a:spAutoFit/>
+          </a:bodyPr>
+          <a:lstStyle/>
+          <a:p>
+            <a:pPr algn="ctr"/>
+            <a:r>
+              <a:rPr lang="en-US" sz="1000" dirty="0">
+                <a:solidFill>
+                  <a:srgbClr val="C00000"/>
+                </a:solidFill>
+                <a:latin typeface="Arial" panose="020B0604020202020204" pitchFamily="34" charset="0"/>
+                <a:cs typeface="Arial" panose="020B0604020202020204" pitchFamily="34" charset="0"/>
+              </a:rPr>
+              <a:t>Inf</a:t>
+            </a:r>
+          </a:p>
+        </p:txBody>
+      </p:sp>
+      <p:sp>
+        <p:nvSpPr>
+          <p:cNvPr id="56" name="TextBox 55">
+            <a:extLst>
+              <a:ext uri="{FF2B5EF4-FFF2-40B4-BE49-F238E27FC236}">
+                <a16:creationId xmlns:a16="http://schemas.microsoft.com/office/drawing/2014/main" id="{36C43CA6-4035-D184-C874-36A0A03FBA18}"/>
+              </a:ext>
+            </a:extLst>
+          </p:cNvPr>
+          <p:cNvSpPr txBox="1"/>
+          <p:nvPr/>
+        </p:nvSpPr>
+        <p:spPr>
+          <a:xfrm>
+            <a:off x="10297897" y="6045879"/>
+            <a:ext cx="1066863" cy="246221"/>
+          </a:xfrm>
+          <a:prstGeom prst="rect">
+            <a:avLst/>
+          </a:prstGeom>
+          <a:noFill/>
+          <a:ln>
+            <a:noFill/>
+          </a:ln>
+        </p:spPr>
+        <p:txBody>
+          <a:bodyPr wrap="square" rtlCol="0">
+            <a:spAutoFit/>
+          </a:bodyPr>
+          <a:lstStyle/>
+          <a:p>
+            <a:pPr algn="ctr"/>
+            <a:r>
+              <a:rPr lang="en-US" sz="1000" dirty="0">
+                <a:solidFill>
+                  <a:srgbClr val="C00000"/>
+                </a:solidFill>
+                <a:latin typeface="Arial" panose="020B0604020202020204" pitchFamily="34" charset="0"/>
+                <a:cs typeface="Arial" panose="020B0604020202020204" pitchFamily="34" charset="0"/>
+              </a:rPr>
+              <a:t>–Inf</a:t>
+            </a:r>
+          </a:p>
+        </p:txBody>
+      </p:sp>
+      <p:sp>
+        <p:nvSpPr>
+          <p:cNvPr id="57" name="TextBox 56">
+            <a:extLst>
+              <a:ext uri="{FF2B5EF4-FFF2-40B4-BE49-F238E27FC236}">
+                <a16:creationId xmlns:a16="http://schemas.microsoft.com/office/drawing/2014/main" id="{30FE66B5-7142-E3EA-7224-19155C189C4C}"/>
+              </a:ext>
+            </a:extLst>
+          </p:cNvPr>
+          <p:cNvSpPr txBox="1"/>
+          <p:nvPr/>
+        </p:nvSpPr>
+        <p:spPr>
+          <a:xfrm>
+            <a:off x="10297897" y="6290354"/>
+            <a:ext cx="1066863" cy="246221"/>
+          </a:xfrm>
+          <a:prstGeom prst="rect">
+            <a:avLst/>
+          </a:prstGeom>
+          <a:noFill/>
+          <a:ln>
+            <a:noFill/>
+          </a:ln>
+        </p:spPr>
+        <p:txBody>
+          <a:bodyPr wrap="square" rtlCol="0">
+            <a:spAutoFit/>
+          </a:bodyPr>
+          <a:lstStyle/>
+          <a:p>
+            <a:pPr algn="ctr"/>
+            <a:r>
+              <a:rPr lang="en-US" sz="1000" dirty="0">
+                <a:solidFill>
+                  <a:srgbClr val="C00000"/>
+                </a:solidFill>
+                <a:latin typeface="Arial" panose="020B0604020202020204" pitchFamily="34" charset="0"/>
+                <a:cs typeface="Arial" panose="020B0604020202020204" pitchFamily="34" charset="0"/>
+              </a:rPr>
+              <a:t>Inf</a:t>
+            </a:r>
+          </a:p>
+        </p:txBody>
+      </p:sp>
+      <p:sp>
+        <p:nvSpPr>
+          <p:cNvPr id="58" name="TextBox 57">
+            <a:extLst>
+              <a:ext uri="{FF2B5EF4-FFF2-40B4-BE49-F238E27FC236}">
+                <a16:creationId xmlns:a16="http://schemas.microsoft.com/office/drawing/2014/main" id="{9B47D95F-7D5A-B47D-8827-69FAEDEE9970}"/>
+              </a:ext>
+            </a:extLst>
+          </p:cNvPr>
+          <p:cNvSpPr txBox="1"/>
+          <p:nvPr/>
+        </p:nvSpPr>
+        <p:spPr>
+          <a:xfrm>
+            <a:off x="10297897" y="6544354"/>
+            <a:ext cx="1066863" cy="246221"/>
+          </a:xfrm>
+          <a:prstGeom prst="rect">
+            <a:avLst/>
+          </a:prstGeom>
+          <a:noFill/>
+          <a:ln>
+            <a:noFill/>
+          </a:ln>
+        </p:spPr>
+        <p:txBody>
+          <a:bodyPr wrap="square" rtlCol="0">
+            <a:spAutoFit/>
+          </a:bodyPr>
+          <a:lstStyle/>
+          <a:p>
+            <a:pPr algn="ctr"/>
+            <a:r>
+              <a:rPr lang="en-US" sz="1000" dirty="0">
+                <a:solidFill>
+                  <a:srgbClr val="C00000"/>
+                </a:solidFill>
+                <a:latin typeface="Arial" panose="020B0604020202020204" pitchFamily="34" charset="0"/>
+                <a:cs typeface="Arial" panose="020B0604020202020204" pitchFamily="34" charset="0"/>
+              </a:rPr>
+              <a:t>Inf</a:t>
+            </a:r>
+          </a:p>
+        </p:txBody>
+      </p:sp>
+      <p:sp>
+        <p:nvSpPr>
+          <p:cNvPr id="59" name="TextBox 58">
+            <a:extLst>
+              <a:ext uri="{FF2B5EF4-FFF2-40B4-BE49-F238E27FC236}">
+                <a16:creationId xmlns:a16="http://schemas.microsoft.com/office/drawing/2014/main" id="{413501C5-C885-B5CB-63BE-9B0706751392}"/>
+              </a:ext>
+            </a:extLst>
+          </p:cNvPr>
+          <p:cNvSpPr txBox="1"/>
+          <p:nvPr/>
+        </p:nvSpPr>
+        <p:spPr>
+          <a:xfrm>
+            <a:off x="10112280" y="1615858"/>
+            <a:ext cx="227948" cy="246221"/>
+          </a:xfrm>
+          <a:prstGeom prst="rect">
+            <a:avLst/>
+          </a:prstGeom>
+          <a:noFill/>
+          <a:ln>
+            <a:noFill/>
+          </a:ln>
+        </p:spPr>
+        <p:txBody>
+          <a:bodyPr wrap="none" rtlCol="0">
+            <a:spAutoFit/>
+          </a:bodyPr>
+          <a:lstStyle/>
+          <a:p>
+            <a:pPr algn="ctr"/>
+            <a:r>
+              <a:rPr lang="en-US" sz="1000" b="1" dirty="0">
+                <a:latin typeface="Arial" panose="020B0604020202020204" pitchFamily="34" charset="0"/>
+                <a:cs typeface="Arial" panose="020B0604020202020204" pitchFamily="34" charset="0"/>
+              </a:rPr>
+              <a:t>f</a:t>
+            </a:r>
+          </a:p>
+        </p:txBody>
+      </p:sp>
+      <p:sp>
+        <p:nvSpPr>
+          <p:cNvPr id="73" name="TextBox 72">
+            <a:extLst>
+              <a:ext uri="{FF2B5EF4-FFF2-40B4-BE49-F238E27FC236}">
+                <a16:creationId xmlns:a16="http://schemas.microsoft.com/office/drawing/2014/main" id="{53BDF0F1-DB24-9F5C-F6BE-BAA92A73BD1E}"/>
+              </a:ext>
+            </a:extLst>
+          </p:cNvPr>
+          <p:cNvSpPr txBox="1"/>
+          <p:nvPr/>
+        </p:nvSpPr>
+        <p:spPr>
+          <a:xfrm>
+            <a:off x="1958469" y="5541056"/>
+            <a:ext cx="1008609" cy="246221"/>
+          </a:xfrm>
+          <a:prstGeom prst="rect">
+            <a:avLst/>
+          </a:prstGeom>
+          <a:noFill/>
+          <a:ln>
+            <a:noFill/>
+          </a:ln>
+        </p:spPr>
+        <p:txBody>
+          <a:bodyPr wrap="none" rtlCol="0">
+            <a:spAutoFit/>
+          </a:bodyPr>
+          <a:lstStyle/>
+          <a:p>
+            <a:pPr algn="r"/>
+            <a:r>
+              <a:rPr lang="en-US" sz="1000" b="1" dirty="0">
+                <a:latin typeface="Arial" panose="020B0604020202020204" pitchFamily="34" charset="0"/>
+                <a:cs typeface="Arial" panose="020B0604020202020204" pitchFamily="34" charset="0"/>
+              </a:rPr>
+              <a:t>Well-behaved</a:t>
+            </a:r>
+          </a:p>
+        </p:txBody>
+      </p:sp>
+      <p:sp>
+        <p:nvSpPr>
+          <p:cNvPr id="74" name="TextBox 73">
+            <a:extLst>
+              <a:ext uri="{FF2B5EF4-FFF2-40B4-BE49-F238E27FC236}">
+                <a16:creationId xmlns:a16="http://schemas.microsoft.com/office/drawing/2014/main" id="{7101A8AA-0510-3460-E1C1-5FA75BDB7DA4}"/>
+              </a:ext>
+            </a:extLst>
+          </p:cNvPr>
+          <p:cNvSpPr txBox="1"/>
+          <p:nvPr/>
+        </p:nvSpPr>
+        <p:spPr>
+          <a:xfrm>
+            <a:off x="3191011" y="5545658"/>
+            <a:ext cx="1066863" cy="246221"/>
+          </a:xfrm>
+          <a:prstGeom prst="rect">
+            <a:avLst/>
+          </a:prstGeom>
+          <a:noFill/>
+          <a:ln>
+            <a:noFill/>
+          </a:ln>
+        </p:spPr>
+        <p:txBody>
+          <a:bodyPr wrap="square" rtlCol="0">
+            <a:spAutoFit/>
+          </a:bodyPr>
+          <a:lstStyle/>
+          <a:p>
+            <a:pPr algn="ctr"/>
+            <a:r>
+              <a:rPr lang="en-US" sz="1000" dirty="0">
+                <a:solidFill>
+                  <a:srgbClr val="00B050"/>
+                </a:solidFill>
+                <a:latin typeface="Arial" panose="020B0604020202020204" pitchFamily="34" charset="0"/>
+                <a:cs typeface="Arial" panose="020B0604020202020204" pitchFamily="34" charset="0"/>
+              </a:rPr>
+              <a:t>True</a:t>
+            </a:r>
+          </a:p>
+        </p:txBody>
+      </p:sp>
+      <p:sp>
+        <p:nvSpPr>
+          <p:cNvPr id="75" name="TextBox 74">
+            <a:extLst>
+              <a:ext uri="{FF2B5EF4-FFF2-40B4-BE49-F238E27FC236}">
+                <a16:creationId xmlns:a16="http://schemas.microsoft.com/office/drawing/2014/main" id="{D723CA63-3FCD-446E-49B6-BDEA2B2E187A}"/>
+              </a:ext>
+            </a:extLst>
+          </p:cNvPr>
+          <p:cNvSpPr txBox="1"/>
+          <p:nvPr/>
+        </p:nvSpPr>
+        <p:spPr>
+          <a:xfrm>
+            <a:off x="4605791" y="5545658"/>
+            <a:ext cx="1066863" cy="246221"/>
+          </a:xfrm>
+          <a:prstGeom prst="rect">
+            <a:avLst/>
+          </a:prstGeom>
+          <a:noFill/>
+          <a:ln>
+            <a:noFill/>
+          </a:ln>
+        </p:spPr>
+        <p:txBody>
+          <a:bodyPr wrap="square" rtlCol="0">
+            <a:spAutoFit/>
+          </a:bodyPr>
+          <a:lstStyle/>
+          <a:p>
+            <a:pPr algn="ctr"/>
+            <a:r>
+              <a:rPr lang="en-US" sz="1000" dirty="0">
+                <a:latin typeface="Arial" panose="020B0604020202020204" pitchFamily="34" charset="0"/>
+                <a:cs typeface="Arial" panose="020B0604020202020204" pitchFamily="34" charset="0"/>
+              </a:rPr>
+              <a:t>N/A</a:t>
+            </a:r>
+          </a:p>
+        </p:txBody>
+      </p:sp>
+      <p:sp>
+        <p:nvSpPr>
+          <p:cNvPr id="76" name="TextBox 75">
+            <a:extLst>
+              <a:ext uri="{FF2B5EF4-FFF2-40B4-BE49-F238E27FC236}">
+                <a16:creationId xmlns:a16="http://schemas.microsoft.com/office/drawing/2014/main" id="{593AD904-4BD2-E347-4041-EA227BCC8AB3}"/>
+              </a:ext>
+            </a:extLst>
+          </p:cNvPr>
+          <p:cNvSpPr txBox="1"/>
+          <p:nvPr/>
+        </p:nvSpPr>
+        <p:spPr>
+          <a:xfrm>
+            <a:off x="6016136" y="5545658"/>
+            <a:ext cx="1066863" cy="246221"/>
+          </a:xfrm>
+          <a:prstGeom prst="rect">
+            <a:avLst/>
+          </a:prstGeom>
+          <a:noFill/>
+          <a:ln>
+            <a:noFill/>
+          </a:ln>
+        </p:spPr>
+        <p:txBody>
+          <a:bodyPr wrap="square" rtlCol="0">
+            <a:spAutoFit/>
+          </a:bodyPr>
+          <a:lstStyle/>
+          <a:p>
+            <a:pPr algn="ctr"/>
+            <a:r>
+              <a:rPr lang="en-US" sz="1000" dirty="0">
+                <a:solidFill>
+                  <a:srgbClr val="00B050"/>
+                </a:solidFill>
+                <a:latin typeface="Arial" panose="020B0604020202020204" pitchFamily="34" charset="0"/>
+                <a:cs typeface="Arial" panose="020B0604020202020204" pitchFamily="34" charset="0"/>
+              </a:rPr>
+              <a:t>True</a:t>
+            </a:r>
+          </a:p>
+        </p:txBody>
+      </p:sp>
+      <p:sp>
+        <p:nvSpPr>
+          <p:cNvPr id="77" name="TextBox 76">
+            <a:extLst>
+              <a:ext uri="{FF2B5EF4-FFF2-40B4-BE49-F238E27FC236}">
+                <a16:creationId xmlns:a16="http://schemas.microsoft.com/office/drawing/2014/main" id="{B5A071D0-8F7A-49FC-427E-AF6AF589FEFD}"/>
+              </a:ext>
+            </a:extLst>
+          </p:cNvPr>
+          <p:cNvSpPr txBox="1"/>
+          <p:nvPr/>
+        </p:nvSpPr>
+        <p:spPr>
+          <a:xfrm>
+            <a:off x="7465797" y="5545658"/>
+            <a:ext cx="1066863" cy="246221"/>
+          </a:xfrm>
+          <a:prstGeom prst="rect">
+            <a:avLst/>
+          </a:prstGeom>
+          <a:noFill/>
+          <a:ln>
+            <a:noFill/>
+          </a:ln>
+        </p:spPr>
+        <p:txBody>
+          <a:bodyPr wrap="square" rtlCol="0">
+            <a:spAutoFit/>
+          </a:bodyPr>
+          <a:lstStyle/>
+          <a:p>
+            <a:pPr algn="ctr"/>
+            <a:r>
+              <a:rPr lang="en-US" sz="1000" dirty="0">
+                <a:solidFill>
+                  <a:srgbClr val="00B050"/>
+                </a:solidFill>
+                <a:latin typeface="Arial" panose="020B0604020202020204" pitchFamily="34" charset="0"/>
+                <a:cs typeface="Arial" panose="020B0604020202020204" pitchFamily="34" charset="0"/>
+              </a:rPr>
+              <a:t>True</a:t>
+            </a:r>
+          </a:p>
+        </p:txBody>
+      </p:sp>
+      <p:sp>
+        <p:nvSpPr>
+          <p:cNvPr id="78" name="TextBox 77">
+            <a:extLst>
+              <a:ext uri="{FF2B5EF4-FFF2-40B4-BE49-F238E27FC236}">
+                <a16:creationId xmlns:a16="http://schemas.microsoft.com/office/drawing/2014/main" id="{16AD672D-DC05-1DAD-0AD5-5F383B5E728B}"/>
+              </a:ext>
+            </a:extLst>
+          </p:cNvPr>
+          <p:cNvSpPr txBox="1"/>
+          <p:nvPr/>
+        </p:nvSpPr>
+        <p:spPr>
+          <a:xfrm>
+            <a:off x="8880577" y="5545658"/>
+            <a:ext cx="1066863" cy="246221"/>
+          </a:xfrm>
+          <a:prstGeom prst="rect">
+            <a:avLst/>
+          </a:prstGeom>
+          <a:noFill/>
+          <a:ln>
+            <a:noFill/>
+          </a:ln>
+        </p:spPr>
+        <p:txBody>
+          <a:bodyPr wrap="square" rtlCol="0">
+            <a:spAutoFit/>
+          </a:bodyPr>
+          <a:lstStyle/>
+          <a:p>
+            <a:pPr algn="ctr"/>
+            <a:r>
+              <a:rPr lang="en-US" sz="1000" dirty="0">
+                <a:solidFill>
+                  <a:srgbClr val="C00000"/>
+                </a:solidFill>
+                <a:latin typeface="Arial" panose="020B0604020202020204" pitchFamily="34" charset="0"/>
+                <a:cs typeface="Arial" panose="020B0604020202020204" pitchFamily="34" charset="0"/>
+              </a:rPr>
+              <a:t>False</a:t>
+            </a:r>
+          </a:p>
+        </p:txBody>
+      </p:sp>
+      <p:sp>
+        <p:nvSpPr>
+          <p:cNvPr id="79" name="TextBox 78">
+            <a:extLst>
+              <a:ext uri="{FF2B5EF4-FFF2-40B4-BE49-F238E27FC236}">
+                <a16:creationId xmlns:a16="http://schemas.microsoft.com/office/drawing/2014/main" id="{10EB999B-BD45-D3EE-D75D-CED1E7D6B979}"/>
+              </a:ext>
+            </a:extLst>
+          </p:cNvPr>
+          <p:cNvSpPr txBox="1"/>
+          <p:nvPr/>
+        </p:nvSpPr>
+        <p:spPr>
+          <a:xfrm>
+            <a:off x="10297897" y="5545658"/>
+            <a:ext cx="1066863" cy="246221"/>
+          </a:xfrm>
+          <a:prstGeom prst="rect">
+            <a:avLst/>
+          </a:prstGeom>
+          <a:noFill/>
+          <a:ln>
+            <a:noFill/>
+          </a:ln>
+        </p:spPr>
+        <p:txBody>
+          <a:bodyPr wrap="square" rtlCol="0">
+            <a:spAutoFit/>
+          </a:bodyPr>
+          <a:lstStyle/>
+          <a:p>
+            <a:pPr algn="ctr"/>
+            <a:r>
+              <a:rPr lang="en-US" sz="1000" dirty="0">
+                <a:solidFill>
+                  <a:srgbClr val="C00000"/>
+                </a:solidFill>
+                <a:latin typeface="Arial" panose="020B0604020202020204" pitchFamily="34" charset="0"/>
+                <a:cs typeface="Arial" panose="020B0604020202020204" pitchFamily="34" charset="0"/>
+              </a:rPr>
+              <a:t>False</a:t>
+            </a:r>
+          </a:p>
+        </p:txBody>
+      </p:sp>
+    </p:spTree>
+    <p:extLst>
+      <p:ext uri="{BB962C8B-B14F-4D97-AF65-F5344CB8AC3E}">
+        <p14:creationId xmlns:p14="http://schemas.microsoft.com/office/powerpoint/2010/main" val="1276920188"/>
+      </p:ext>
+    </p:extLst>
+  </p:cSld>
+  <p:clrMapOvr>
+    <a:masterClrMapping/>
+  </p:clrMapOvr>
+</p:sld>
+</file>
+
+<file path=ppt/slides/slide2.xml><?xml version="1.0" encoding="utf-8"?>
+<p:sld xmlns:a="http://schemas.openxmlformats.org/drawingml/2006/main" xmlns:r="http://schemas.openxmlformats.org/officeDocument/2006/relationships" xmlns:p="http://schemas.openxmlformats.org/presentationml/2006/main">
+  <p:cSld>
+    <p:spTree>
+      <p:nvGrpSpPr>
+        <p:cNvPr id="1" name="">
+          <a:extLst>
+            <a:ext uri="{FF2B5EF4-FFF2-40B4-BE49-F238E27FC236}">
+              <a16:creationId xmlns:a16="http://schemas.microsoft.com/office/drawing/2014/main" id="{92EF9213-1099-85C7-5655-91CDBB1C64B0}"/>
+            </a:ext>
+          </a:extLst>
+        </p:cNvPr>
+        <p:cNvGrpSpPr/>
+        <p:nvPr/>
+      </p:nvGrpSpPr>
+      <p:grpSpPr>
+        <a:xfrm>
+          <a:off x="0" y="0"/>
+          <a:ext cx="0" cy="0"/>
+          <a:chOff x="0" y="0"/>
+          <a:chExt cx="0" cy="0"/>
+        </a:xfrm>
+      </p:grpSpPr>
+      <p:pic>
+        <p:nvPicPr>
+          <p:cNvPr id="3" name="Picture 2">
+            <a:extLst>
+              <a:ext uri="{FF2B5EF4-FFF2-40B4-BE49-F238E27FC236}">
+                <a16:creationId xmlns:a16="http://schemas.microsoft.com/office/drawing/2014/main" id="{C75828FE-F09D-3E9C-3FCD-3EA96FF88F13}"/>
+              </a:ext>
+            </a:extLst>
+          </p:cNvPr>
+          <p:cNvPicPr>
+            <a:picLocks noChangeAspect="1"/>
+          </p:cNvPicPr>
+          <p:nvPr/>
+        </p:nvPicPr>
+        <p:blipFill>
+          <a:blip r:embed="rId3"/>
+          <a:srcRect/>
+          <a:stretch/>
+        </p:blipFill>
+        <p:spPr>
+          <a:xfrm>
+            <a:off x="2769926" y="1727760"/>
+            <a:ext cx="8640000" cy="2880000"/>
+          </a:xfrm>
+          <a:prstGeom prst="rect">
+            <a:avLst/>
+          </a:prstGeom>
+          <a:ln>
+            <a:noFill/>
+          </a:ln>
+        </p:spPr>
+      </p:pic>
+      <p:sp>
+        <p:nvSpPr>
+          <p:cNvPr id="9" name="TextBox 8">
+            <a:extLst>
+              <a:ext uri="{FF2B5EF4-FFF2-40B4-BE49-F238E27FC236}">
+                <a16:creationId xmlns:a16="http://schemas.microsoft.com/office/drawing/2014/main" id="{C55E103B-6C10-2981-D78F-56F25EC46710}"/>
+              </a:ext>
+            </a:extLst>
+          </p:cNvPr>
+          <p:cNvSpPr txBox="1"/>
+          <p:nvPr/>
+        </p:nvSpPr>
+        <p:spPr>
+          <a:xfrm>
+            <a:off x="2935812" y="1615858"/>
+            <a:ext cx="255199" cy="246221"/>
+          </a:xfrm>
+          <a:prstGeom prst="rect">
+            <a:avLst/>
+          </a:prstGeom>
+          <a:noFill/>
+          <a:ln>
+            <a:noFill/>
+          </a:ln>
+        </p:spPr>
+        <p:txBody>
+          <a:bodyPr wrap="none" rtlCol="0">
+            <a:spAutoFit/>
+          </a:bodyPr>
+          <a:lstStyle/>
+          <a:p>
+            <a:pPr algn="ctr"/>
+            <a:r>
+              <a:rPr lang="en-US" sz="1000" b="1" dirty="0">
+                <a:latin typeface="Arial" panose="020B0604020202020204" pitchFamily="34" charset="0"/>
+                <a:cs typeface="Arial" panose="020B0604020202020204" pitchFamily="34" charset="0"/>
+              </a:rPr>
+              <a:t>a</a:t>
+            </a:r>
+          </a:p>
+        </p:txBody>
+      </p:sp>
+      <p:sp>
+        <p:nvSpPr>
+          <p:cNvPr id="4" name="TextBox 3">
+            <a:extLst>
+              <a:ext uri="{FF2B5EF4-FFF2-40B4-BE49-F238E27FC236}">
+                <a16:creationId xmlns:a16="http://schemas.microsoft.com/office/drawing/2014/main" id="{7D393EC7-1DDF-0818-F03F-F7905D00C9D5}"/>
+              </a:ext>
+            </a:extLst>
+          </p:cNvPr>
+          <p:cNvSpPr txBox="1"/>
+          <p:nvPr/>
+        </p:nvSpPr>
+        <p:spPr>
+          <a:xfrm>
+            <a:off x="4418856" y="1615858"/>
+            <a:ext cx="263214" cy="246221"/>
+          </a:xfrm>
+          <a:prstGeom prst="rect">
+            <a:avLst/>
+          </a:prstGeom>
+          <a:noFill/>
+          <a:ln>
+            <a:noFill/>
+          </a:ln>
+        </p:spPr>
+        <p:txBody>
+          <a:bodyPr wrap="none" rtlCol="0">
+            <a:spAutoFit/>
+          </a:bodyPr>
+          <a:lstStyle/>
+          <a:p>
+            <a:pPr algn="ctr"/>
+            <a:r>
+              <a:rPr lang="en-US" sz="1000" b="1" dirty="0">
+                <a:latin typeface="Arial" panose="020B0604020202020204" pitchFamily="34" charset="0"/>
+                <a:cs typeface="Arial" panose="020B0604020202020204" pitchFamily="34" charset="0"/>
+              </a:rPr>
+              <a:t>b</a:t>
+            </a:r>
+          </a:p>
+        </p:txBody>
+      </p:sp>
+      <p:sp>
+        <p:nvSpPr>
+          <p:cNvPr id="5" name="TextBox 4">
+            <a:extLst>
+              <a:ext uri="{FF2B5EF4-FFF2-40B4-BE49-F238E27FC236}">
+                <a16:creationId xmlns:a16="http://schemas.microsoft.com/office/drawing/2014/main" id="{8F086325-984E-DCDD-B7D5-4AB4B7F69E80}"/>
+              </a:ext>
+            </a:extLst>
+          </p:cNvPr>
+          <p:cNvSpPr txBox="1"/>
+          <p:nvPr/>
+        </p:nvSpPr>
+        <p:spPr>
+          <a:xfrm>
+            <a:off x="2107549" y="4558348"/>
+            <a:ext cx="859531" cy="246221"/>
+          </a:xfrm>
+          <a:prstGeom prst="rect">
+            <a:avLst/>
+          </a:prstGeom>
+          <a:noFill/>
+          <a:ln>
+            <a:noFill/>
+          </a:ln>
+        </p:spPr>
+        <p:txBody>
+          <a:bodyPr wrap="none" rtlCol="0">
+            <a:spAutoFit/>
+          </a:bodyPr>
+          <a:lstStyle/>
+          <a:p>
+            <a:pPr algn="r"/>
+            <a:r>
+              <a:rPr lang="en-US" sz="1000" b="1" dirty="0">
+                <a:latin typeface="Arial" panose="020B0604020202020204" pitchFamily="34" charset="0"/>
+                <a:cs typeface="Arial" panose="020B0604020202020204" pitchFamily="34" charset="0"/>
+              </a:rPr>
+              <a:t>Graph type</a:t>
+            </a:r>
+          </a:p>
+        </p:txBody>
+      </p:sp>
+      <p:sp>
+        <p:nvSpPr>
+          <p:cNvPr id="6" name="TextBox 5">
+            <a:extLst>
+              <a:ext uri="{FF2B5EF4-FFF2-40B4-BE49-F238E27FC236}">
+                <a16:creationId xmlns:a16="http://schemas.microsoft.com/office/drawing/2014/main" id="{4C25AEAD-C63D-725F-9BA2-7656D037874F}"/>
+              </a:ext>
+            </a:extLst>
+          </p:cNvPr>
+          <p:cNvSpPr txBox="1"/>
+          <p:nvPr/>
+        </p:nvSpPr>
+        <p:spPr>
+          <a:xfrm>
+            <a:off x="2206935" y="4802752"/>
+            <a:ext cx="760144" cy="246221"/>
+          </a:xfrm>
+          <a:prstGeom prst="rect">
+            <a:avLst/>
+          </a:prstGeom>
+          <a:noFill/>
+          <a:ln>
+            <a:noFill/>
+          </a:ln>
+        </p:spPr>
+        <p:txBody>
+          <a:bodyPr wrap="none" rtlCol="0">
+            <a:spAutoFit/>
+          </a:bodyPr>
+          <a:lstStyle/>
+          <a:p>
+            <a:pPr algn="r"/>
+            <a:r>
+              <a:rPr lang="en-US" sz="1000" b="1" dirty="0">
+                <a:latin typeface="Arial" panose="020B0604020202020204" pitchFamily="34" charset="0"/>
+                <a:cs typeface="Arial" panose="020B0604020202020204" pitchFamily="34" charset="0"/>
+              </a:rPr>
+              <a:t>Data type</a:t>
+            </a:r>
+          </a:p>
+        </p:txBody>
+      </p:sp>
+      <p:sp>
+        <p:nvSpPr>
+          <p:cNvPr id="8" name="TextBox 7">
+            <a:extLst>
+              <a:ext uri="{FF2B5EF4-FFF2-40B4-BE49-F238E27FC236}">
+                <a16:creationId xmlns:a16="http://schemas.microsoft.com/office/drawing/2014/main" id="{3F8C1423-06FC-32E1-DD72-6C3F2DBD5241}"/>
+              </a:ext>
+            </a:extLst>
+          </p:cNvPr>
+          <p:cNvSpPr txBox="1"/>
+          <p:nvPr/>
+        </p:nvSpPr>
+        <p:spPr>
+          <a:xfrm>
+            <a:off x="2160446" y="5042714"/>
+            <a:ext cx="806632" cy="246221"/>
+          </a:xfrm>
+          <a:prstGeom prst="rect">
+            <a:avLst/>
+          </a:prstGeom>
+          <a:noFill/>
+          <a:ln>
+            <a:noFill/>
+          </a:ln>
+        </p:spPr>
+        <p:txBody>
+          <a:bodyPr wrap="none" rtlCol="0">
+            <a:spAutoFit/>
+          </a:bodyPr>
+          <a:lstStyle/>
+          <a:p>
+            <a:pPr algn="r"/>
+            <a:r>
+              <a:rPr lang="en-US" sz="1000" b="1" dirty="0">
+                <a:latin typeface="Arial" panose="020B0604020202020204" pitchFamily="34" charset="0"/>
+                <a:cs typeface="Arial" panose="020B0604020202020204" pitchFamily="34" charset="0"/>
+              </a:rPr>
+              <a:t>Axis scale</a:t>
+            </a:r>
+          </a:p>
+        </p:txBody>
+      </p:sp>
+      <p:sp>
+        <p:nvSpPr>
+          <p:cNvPr id="12" name="TextBox 11">
+            <a:extLst>
+              <a:ext uri="{FF2B5EF4-FFF2-40B4-BE49-F238E27FC236}">
+                <a16:creationId xmlns:a16="http://schemas.microsoft.com/office/drawing/2014/main" id="{0FB5BDE4-D9AB-D525-32B7-A02851661815}"/>
+              </a:ext>
+            </a:extLst>
+          </p:cNvPr>
+          <p:cNvSpPr txBox="1"/>
+          <p:nvPr/>
+        </p:nvSpPr>
+        <p:spPr>
+          <a:xfrm>
+            <a:off x="2165255" y="5295194"/>
+            <a:ext cx="801823" cy="246221"/>
+          </a:xfrm>
+          <a:prstGeom prst="rect">
+            <a:avLst/>
+          </a:prstGeom>
+          <a:noFill/>
+          <a:ln>
+            <a:noFill/>
+          </a:ln>
+        </p:spPr>
+        <p:txBody>
+          <a:bodyPr wrap="none" rtlCol="0">
+            <a:spAutoFit/>
+          </a:bodyPr>
+          <a:lstStyle/>
+          <a:p>
+            <a:pPr algn="r"/>
+            <a:r>
+              <a:rPr lang="en-US" sz="1000" b="1" dirty="0">
+                <a:latin typeface="Arial" panose="020B0604020202020204" pitchFamily="34" charset="0"/>
+                <a:cs typeface="Arial" panose="020B0604020202020204" pitchFamily="34" charset="0"/>
+              </a:rPr>
+              <a:t>Starts at 0</a:t>
+            </a:r>
+          </a:p>
+        </p:txBody>
+      </p:sp>
+      <p:sp>
+        <p:nvSpPr>
+          <p:cNvPr id="13" name="TextBox 12">
+            <a:extLst>
+              <a:ext uri="{FF2B5EF4-FFF2-40B4-BE49-F238E27FC236}">
+                <a16:creationId xmlns:a16="http://schemas.microsoft.com/office/drawing/2014/main" id="{12F2115F-4B9E-EF86-DDE7-2DB36D271BC6}"/>
+              </a:ext>
+            </a:extLst>
+          </p:cNvPr>
+          <p:cNvSpPr txBox="1"/>
+          <p:nvPr/>
+        </p:nvSpPr>
+        <p:spPr>
+          <a:xfrm>
+            <a:off x="2037015" y="5794377"/>
+            <a:ext cx="930063" cy="246221"/>
+          </a:xfrm>
+          <a:prstGeom prst="rect">
+            <a:avLst/>
+          </a:prstGeom>
+          <a:noFill/>
+          <a:ln>
+            <a:noFill/>
+          </a:ln>
+        </p:spPr>
+        <p:txBody>
+          <a:bodyPr wrap="none" rtlCol="0">
+            <a:spAutoFit/>
+          </a:bodyPr>
+          <a:lstStyle/>
+          <a:p>
+            <a:pPr algn="r"/>
+            <a:r>
+              <a:rPr lang="en-US" sz="1000" b="1" dirty="0">
+                <a:latin typeface="Arial" panose="020B0604020202020204" pitchFamily="34" charset="0"/>
+                <a:cs typeface="Arial" panose="020B0604020202020204" pitchFamily="34" charset="0"/>
+              </a:rPr>
+              <a:t>Correctness</a:t>
+            </a:r>
+          </a:p>
+        </p:txBody>
+      </p:sp>
+      <p:sp>
+        <p:nvSpPr>
+          <p:cNvPr id="14" name="TextBox 13">
+            <a:extLst>
+              <a:ext uri="{FF2B5EF4-FFF2-40B4-BE49-F238E27FC236}">
+                <a16:creationId xmlns:a16="http://schemas.microsoft.com/office/drawing/2014/main" id="{ACFEE43F-B633-C1CC-737A-7A1BBDF23140}"/>
+              </a:ext>
+            </a:extLst>
+          </p:cNvPr>
+          <p:cNvSpPr txBox="1"/>
+          <p:nvPr/>
+        </p:nvSpPr>
+        <p:spPr>
+          <a:xfrm>
+            <a:off x="2356013" y="6037915"/>
+            <a:ext cx="611065" cy="246221"/>
+          </a:xfrm>
+          <a:prstGeom prst="rect">
+            <a:avLst/>
+          </a:prstGeom>
+          <a:noFill/>
+          <a:ln>
+            <a:noFill/>
+          </a:ln>
+        </p:spPr>
+        <p:txBody>
+          <a:bodyPr wrap="none" rtlCol="0">
+            <a:spAutoFit/>
+          </a:bodyPr>
+          <a:lstStyle/>
+          <a:p>
+            <a:pPr algn="r"/>
+            <a:r>
+              <a:rPr lang="en-US" sz="1000" b="1" dirty="0">
+                <a:latin typeface="Arial" panose="020B0604020202020204" pitchFamily="34" charset="0"/>
+                <a:cs typeface="Arial" panose="020B0604020202020204" pitchFamily="34" charset="0"/>
+              </a:rPr>
+              <a:t>log </a:t>
+            </a:r>
+            <a:r>
+              <a:rPr lang="en-US" sz="1000" b="1" i="1" dirty="0">
+                <a:latin typeface="Arial" panose="020B0604020202020204" pitchFamily="34" charset="0"/>
+                <a:cs typeface="Arial" panose="020B0604020202020204" pitchFamily="34" charset="0"/>
+              </a:rPr>
+              <a:t>L</a:t>
+            </a:r>
+            <a:r>
+              <a:rPr lang="en-US" sz="1000" b="1" baseline="-25000" dirty="0">
+                <a:latin typeface="Arial" panose="020B0604020202020204" pitchFamily="34" charset="0"/>
+                <a:cs typeface="Arial" panose="020B0604020202020204" pitchFamily="34" charset="0"/>
+              </a:rPr>
+              <a:t>1/2</a:t>
+            </a:r>
+          </a:p>
+        </p:txBody>
+      </p:sp>
+      <p:sp>
+        <p:nvSpPr>
+          <p:cNvPr id="15" name="TextBox 14">
+            <a:extLst>
+              <a:ext uri="{FF2B5EF4-FFF2-40B4-BE49-F238E27FC236}">
+                <a16:creationId xmlns:a16="http://schemas.microsoft.com/office/drawing/2014/main" id="{91E04145-F722-1CA0-740F-5365A4DC074C}"/>
+              </a:ext>
+            </a:extLst>
+          </p:cNvPr>
+          <p:cNvSpPr txBox="1"/>
+          <p:nvPr/>
+        </p:nvSpPr>
+        <p:spPr>
+          <a:xfrm>
+            <a:off x="2356013" y="6281453"/>
+            <a:ext cx="611066" cy="246221"/>
+          </a:xfrm>
+          <a:prstGeom prst="rect">
+            <a:avLst/>
+          </a:prstGeom>
+          <a:noFill/>
+          <a:ln>
+            <a:noFill/>
+          </a:ln>
+        </p:spPr>
+        <p:txBody>
+          <a:bodyPr wrap="none" rtlCol="0">
+            <a:spAutoFit/>
+          </a:bodyPr>
+          <a:lstStyle/>
+          <a:p>
+            <a:pPr algn="r"/>
+            <a:r>
+              <a:rPr lang="en-US" sz="1000" b="1" dirty="0">
+                <a:latin typeface="Arial" panose="020B0604020202020204" pitchFamily="34" charset="0"/>
+                <a:cs typeface="Arial" panose="020B0604020202020204" pitchFamily="34" charset="0"/>
+              </a:rPr>
+              <a:t>log </a:t>
+            </a:r>
+            <a:r>
+              <a:rPr lang="en-US" sz="1000" b="1" i="1" dirty="0">
+                <a:latin typeface="Arial" panose="020B0604020202020204" pitchFamily="34" charset="0"/>
+                <a:cs typeface="Arial" panose="020B0604020202020204" pitchFamily="34" charset="0"/>
+              </a:rPr>
+              <a:t>F</a:t>
+            </a:r>
+            <a:r>
+              <a:rPr lang="en-US" sz="1000" b="1" baseline="-25000" dirty="0">
+                <a:latin typeface="Arial" panose="020B0604020202020204" pitchFamily="34" charset="0"/>
+                <a:cs typeface="Arial" panose="020B0604020202020204" pitchFamily="34" charset="0"/>
+              </a:rPr>
+              <a:t>1/2</a:t>
+            </a:r>
+          </a:p>
+        </p:txBody>
+      </p:sp>
+      <p:sp>
+        <p:nvSpPr>
+          <p:cNvPr id="16" name="TextBox 15">
+            <a:extLst>
+              <a:ext uri="{FF2B5EF4-FFF2-40B4-BE49-F238E27FC236}">
+                <a16:creationId xmlns:a16="http://schemas.microsoft.com/office/drawing/2014/main" id="{3DBA91D2-2023-30DB-8E80-CF71086F1952}"/>
+              </a:ext>
+            </a:extLst>
+          </p:cNvPr>
+          <p:cNvSpPr txBox="1"/>
+          <p:nvPr/>
+        </p:nvSpPr>
+        <p:spPr>
+          <a:xfrm>
+            <a:off x="2184491" y="6531223"/>
+            <a:ext cx="782587" cy="246221"/>
+          </a:xfrm>
+          <a:prstGeom prst="rect">
+            <a:avLst/>
+          </a:prstGeom>
+          <a:noFill/>
+          <a:ln>
+            <a:noFill/>
+          </a:ln>
+        </p:spPr>
+        <p:txBody>
+          <a:bodyPr wrap="none" rtlCol="0">
+            <a:spAutoFit/>
+          </a:bodyPr>
+          <a:lstStyle/>
+          <a:p>
+            <a:pPr algn="r"/>
+            <a:r>
+              <a:rPr lang="en-US" sz="1000" b="1" dirty="0">
+                <a:latin typeface="Arial" panose="020B0604020202020204" pitchFamily="34" charset="0"/>
+                <a:cs typeface="Arial" panose="020B0604020202020204" pitchFamily="34" charset="0"/>
+              </a:rPr>
+              <a:t>log RCVQ</a:t>
+            </a:r>
+            <a:endParaRPr lang="en-US" sz="1000" b="1" baseline="-25000" dirty="0">
+              <a:latin typeface="Arial" panose="020B0604020202020204" pitchFamily="34" charset="0"/>
+              <a:cs typeface="Arial" panose="020B0604020202020204" pitchFamily="34" charset="0"/>
+            </a:endParaRPr>
+          </a:p>
+        </p:txBody>
+      </p:sp>
+      <p:sp>
+        <p:nvSpPr>
+          <p:cNvPr id="17" name="TextBox 16">
+            <a:extLst>
+              <a:ext uri="{FF2B5EF4-FFF2-40B4-BE49-F238E27FC236}">
+                <a16:creationId xmlns:a16="http://schemas.microsoft.com/office/drawing/2014/main" id="{6A3B7124-1654-4E81-B212-1273DACD42FC}"/>
+              </a:ext>
+            </a:extLst>
+          </p:cNvPr>
+          <p:cNvSpPr txBox="1"/>
+          <p:nvPr/>
+        </p:nvSpPr>
+        <p:spPr>
+          <a:xfrm>
+            <a:off x="2176477" y="6777444"/>
+            <a:ext cx="790601" cy="246221"/>
+          </a:xfrm>
+          <a:prstGeom prst="rect">
+            <a:avLst/>
+          </a:prstGeom>
+          <a:noFill/>
+          <a:ln>
+            <a:noFill/>
+          </a:ln>
+        </p:spPr>
+        <p:txBody>
+          <a:bodyPr wrap="none" rtlCol="0">
+            <a:spAutoFit/>
+          </a:bodyPr>
+          <a:lstStyle/>
+          <a:p>
+            <a:pPr algn="r"/>
+            <a:r>
+              <a:rPr lang="en-US" sz="1000" b="1" dirty="0">
+                <a:latin typeface="Arial" panose="020B0604020202020204" pitchFamily="34" charset="0"/>
+                <a:cs typeface="Arial" panose="020B0604020202020204" pitchFamily="34" charset="0"/>
+              </a:rPr>
+              <a:t>log RCVM</a:t>
+            </a:r>
+            <a:endParaRPr lang="en-US" sz="1000" b="1" baseline="-25000" dirty="0">
+              <a:latin typeface="Arial" panose="020B0604020202020204" pitchFamily="34" charset="0"/>
+              <a:cs typeface="Arial" panose="020B0604020202020204" pitchFamily="34" charset="0"/>
+            </a:endParaRPr>
+          </a:p>
+        </p:txBody>
+      </p:sp>
+      <p:sp>
+        <p:nvSpPr>
+          <p:cNvPr id="18" name="TextBox 17">
+            <a:extLst>
+              <a:ext uri="{FF2B5EF4-FFF2-40B4-BE49-F238E27FC236}">
+                <a16:creationId xmlns:a16="http://schemas.microsoft.com/office/drawing/2014/main" id="{6206E410-1905-469E-EC70-6AF7C5BCEF5F}"/>
+              </a:ext>
+            </a:extLst>
+          </p:cNvPr>
+          <p:cNvSpPr txBox="1"/>
+          <p:nvPr/>
+        </p:nvSpPr>
+        <p:spPr>
+          <a:xfrm>
+            <a:off x="3191011" y="4558348"/>
+            <a:ext cx="1066863" cy="246221"/>
+          </a:xfrm>
+          <a:prstGeom prst="rect">
+            <a:avLst/>
+          </a:prstGeom>
+          <a:noFill/>
+          <a:ln>
+            <a:noFill/>
+          </a:ln>
+        </p:spPr>
+        <p:txBody>
+          <a:bodyPr wrap="square" rtlCol="0">
+            <a:spAutoFit/>
+          </a:bodyPr>
+          <a:lstStyle/>
+          <a:p>
+            <a:pPr algn="ctr"/>
+            <a:r>
+              <a:rPr lang="en-US" sz="1000" dirty="0">
+                <a:latin typeface="Arial" panose="020B0604020202020204" pitchFamily="34" charset="0"/>
+                <a:cs typeface="Arial" panose="020B0604020202020204" pitchFamily="34" charset="0"/>
+              </a:rPr>
+              <a:t>Bar graph</a:t>
+            </a:r>
+          </a:p>
+        </p:txBody>
+      </p:sp>
+      <p:sp>
+        <p:nvSpPr>
+          <p:cNvPr id="19" name="TextBox 18">
+            <a:extLst>
+              <a:ext uri="{FF2B5EF4-FFF2-40B4-BE49-F238E27FC236}">
+                <a16:creationId xmlns:a16="http://schemas.microsoft.com/office/drawing/2014/main" id="{F042FAED-7091-56C2-72FB-C239CF6EA2E5}"/>
+              </a:ext>
+            </a:extLst>
+          </p:cNvPr>
+          <p:cNvSpPr txBox="1"/>
+          <p:nvPr/>
+        </p:nvSpPr>
+        <p:spPr>
+          <a:xfrm>
+            <a:off x="4605791" y="4558348"/>
+            <a:ext cx="1066863" cy="246221"/>
+          </a:xfrm>
+          <a:prstGeom prst="rect">
+            <a:avLst/>
+          </a:prstGeom>
+          <a:noFill/>
+          <a:ln>
+            <a:noFill/>
+          </a:ln>
+        </p:spPr>
+        <p:txBody>
+          <a:bodyPr wrap="square" rtlCol="0">
+            <a:spAutoFit/>
+          </a:bodyPr>
+          <a:lstStyle/>
+          <a:p>
+            <a:pPr algn="ctr"/>
+            <a:r>
+              <a:rPr lang="en-US" sz="1000" dirty="0">
+                <a:latin typeface="Arial" panose="020B0604020202020204" pitchFamily="34" charset="0"/>
+                <a:cs typeface="Arial" panose="020B0604020202020204" pitchFamily="34" charset="0"/>
+              </a:rPr>
+              <a:t>Mean-and-error </a:t>
+            </a:r>
+          </a:p>
+        </p:txBody>
+      </p:sp>
+      <p:sp>
+        <p:nvSpPr>
+          <p:cNvPr id="20" name="TextBox 19">
+            <a:extLst>
+              <a:ext uri="{FF2B5EF4-FFF2-40B4-BE49-F238E27FC236}">
+                <a16:creationId xmlns:a16="http://schemas.microsoft.com/office/drawing/2014/main" id="{9C9E83E7-218A-C306-251F-6A8F77C084C2}"/>
+              </a:ext>
+            </a:extLst>
+          </p:cNvPr>
+          <p:cNvSpPr txBox="1"/>
+          <p:nvPr/>
+        </p:nvSpPr>
+        <p:spPr>
+          <a:xfrm>
+            <a:off x="3191011" y="4805881"/>
+            <a:ext cx="1066863" cy="246221"/>
+          </a:xfrm>
+          <a:prstGeom prst="rect">
+            <a:avLst/>
+          </a:prstGeom>
+          <a:noFill/>
+          <a:ln>
+            <a:noFill/>
+          </a:ln>
+        </p:spPr>
+        <p:txBody>
+          <a:bodyPr wrap="square" rtlCol="0">
+            <a:spAutoFit/>
+          </a:bodyPr>
+          <a:lstStyle/>
+          <a:p>
+            <a:pPr algn="ctr"/>
+            <a:r>
+              <a:rPr lang="en-US" sz="1000" dirty="0">
+                <a:latin typeface="Arial" panose="020B0604020202020204" pitchFamily="34" charset="0"/>
+                <a:cs typeface="Arial" panose="020B0604020202020204" pitchFamily="34" charset="0"/>
+              </a:rPr>
+              <a:t>Original</a:t>
+            </a:r>
+          </a:p>
+        </p:txBody>
+      </p:sp>
+      <p:sp>
+        <p:nvSpPr>
+          <p:cNvPr id="21" name="TextBox 20">
+            <a:extLst>
+              <a:ext uri="{FF2B5EF4-FFF2-40B4-BE49-F238E27FC236}">
+                <a16:creationId xmlns:a16="http://schemas.microsoft.com/office/drawing/2014/main" id="{3BBE95E7-DA7E-B829-9924-D4BF426493BB}"/>
+              </a:ext>
+            </a:extLst>
+          </p:cNvPr>
+          <p:cNvSpPr txBox="1"/>
+          <p:nvPr/>
+        </p:nvSpPr>
+        <p:spPr>
+          <a:xfrm>
+            <a:off x="4605791" y="4805881"/>
+            <a:ext cx="1066863" cy="246221"/>
+          </a:xfrm>
+          <a:prstGeom prst="rect">
+            <a:avLst/>
+          </a:prstGeom>
+          <a:noFill/>
+          <a:ln>
+            <a:noFill/>
+          </a:ln>
+        </p:spPr>
+        <p:txBody>
+          <a:bodyPr wrap="square" rtlCol="0">
+            <a:spAutoFit/>
+          </a:bodyPr>
+          <a:lstStyle/>
+          <a:p>
+            <a:pPr algn="ctr"/>
+            <a:r>
+              <a:rPr lang="en-US" sz="1000" dirty="0">
+                <a:latin typeface="Arial" panose="020B0604020202020204" pitchFamily="34" charset="0"/>
+                <a:cs typeface="Arial" panose="020B0604020202020204" pitchFamily="34" charset="0"/>
+              </a:rPr>
+              <a:t>Original</a:t>
+            </a:r>
+          </a:p>
+        </p:txBody>
+      </p:sp>
+      <p:sp>
+        <p:nvSpPr>
+          <p:cNvPr id="22" name="TextBox 21">
+            <a:extLst>
+              <a:ext uri="{FF2B5EF4-FFF2-40B4-BE49-F238E27FC236}">
+                <a16:creationId xmlns:a16="http://schemas.microsoft.com/office/drawing/2014/main" id="{C85352DF-A8AA-AD71-EEE0-A92E063CCFBF}"/>
+              </a:ext>
+            </a:extLst>
+          </p:cNvPr>
+          <p:cNvSpPr txBox="1"/>
+          <p:nvPr/>
+        </p:nvSpPr>
+        <p:spPr>
+          <a:xfrm>
+            <a:off x="3191011" y="5048973"/>
+            <a:ext cx="1066863" cy="246221"/>
+          </a:xfrm>
+          <a:prstGeom prst="rect">
+            <a:avLst/>
+          </a:prstGeom>
+          <a:noFill/>
+          <a:ln>
+            <a:noFill/>
+          </a:ln>
+        </p:spPr>
+        <p:txBody>
+          <a:bodyPr wrap="square" rtlCol="0">
+            <a:spAutoFit/>
+          </a:bodyPr>
+          <a:lstStyle/>
+          <a:p>
+            <a:pPr algn="ctr"/>
+            <a:r>
+              <a:rPr lang="en-US" sz="1000" dirty="0">
+                <a:latin typeface="Arial" panose="020B0604020202020204" pitchFamily="34" charset="0"/>
+                <a:cs typeface="Arial" panose="020B0604020202020204" pitchFamily="34" charset="0"/>
+              </a:rPr>
+              <a:t>Linear</a:t>
+            </a:r>
+          </a:p>
+        </p:txBody>
+      </p:sp>
+      <p:sp>
+        <p:nvSpPr>
+          <p:cNvPr id="23" name="TextBox 22">
+            <a:extLst>
+              <a:ext uri="{FF2B5EF4-FFF2-40B4-BE49-F238E27FC236}">
+                <a16:creationId xmlns:a16="http://schemas.microsoft.com/office/drawing/2014/main" id="{EE9898AC-5A16-BADA-B5B9-7711DCA738F3}"/>
+              </a:ext>
+            </a:extLst>
+          </p:cNvPr>
+          <p:cNvSpPr txBox="1"/>
+          <p:nvPr/>
+        </p:nvSpPr>
+        <p:spPr>
+          <a:xfrm>
+            <a:off x="4605791" y="5048973"/>
+            <a:ext cx="1066863" cy="246221"/>
+          </a:xfrm>
+          <a:prstGeom prst="rect">
+            <a:avLst/>
+          </a:prstGeom>
+          <a:noFill/>
+          <a:ln>
+            <a:noFill/>
+          </a:ln>
+        </p:spPr>
+        <p:txBody>
+          <a:bodyPr wrap="square" rtlCol="0">
+            <a:spAutoFit/>
+          </a:bodyPr>
+          <a:lstStyle/>
+          <a:p>
+            <a:pPr algn="ctr"/>
+            <a:r>
+              <a:rPr lang="en-US" sz="1000" dirty="0">
+                <a:latin typeface="Arial" panose="020B0604020202020204" pitchFamily="34" charset="0"/>
+                <a:cs typeface="Arial" panose="020B0604020202020204" pitchFamily="34" charset="0"/>
+              </a:rPr>
+              <a:t>Logarithmic</a:t>
+            </a:r>
+          </a:p>
+        </p:txBody>
+      </p:sp>
+      <p:sp>
+        <p:nvSpPr>
+          <p:cNvPr id="24" name="TextBox 23">
+            <a:extLst>
+              <a:ext uri="{FF2B5EF4-FFF2-40B4-BE49-F238E27FC236}">
+                <a16:creationId xmlns:a16="http://schemas.microsoft.com/office/drawing/2014/main" id="{D01D9F9E-EA9E-0075-67D7-72AC8BA50664}"/>
+              </a:ext>
+            </a:extLst>
+          </p:cNvPr>
+          <p:cNvSpPr txBox="1"/>
+          <p:nvPr/>
+        </p:nvSpPr>
+        <p:spPr>
+          <a:xfrm>
+            <a:off x="3191011" y="5299796"/>
+            <a:ext cx="1066863" cy="246221"/>
+          </a:xfrm>
+          <a:prstGeom prst="rect">
+            <a:avLst/>
+          </a:prstGeom>
+          <a:noFill/>
+          <a:ln>
+            <a:noFill/>
+          </a:ln>
+        </p:spPr>
+        <p:txBody>
+          <a:bodyPr wrap="square" rtlCol="0">
+            <a:spAutoFit/>
+          </a:bodyPr>
+          <a:lstStyle/>
+          <a:p>
+            <a:pPr algn="ctr"/>
+            <a:r>
+              <a:rPr lang="en-US" sz="1000" dirty="0">
+                <a:latin typeface="Arial" panose="020B0604020202020204" pitchFamily="34" charset="0"/>
+                <a:cs typeface="Arial" panose="020B0604020202020204" pitchFamily="34" charset="0"/>
+              </a:rPr>
+              <a:t>True</a:t>
+            </a:r>
+          </a:p>
+        </p:txBody>
+      </p:sp>
+      <p:sp>
+        <p:nvSpPr>
+          <p:cNvPr id="25" name="TextBox 24">
+            <a:extLst>
+              <a:ext uri="{FF2B5EF4-FFF2-40B4-BE49-F238E27FC236}">
+                <a16:creationId xmlns:a16="http://schemas.microsoft.com/office/drawing/2014/main" id="{D023FBA9-6DC7-2BD2-05B0-1FC60C5C20A0}"/>
+              </a:ext>
+            </a:extLst>
+          </p:cNvPr>
+          <p:cNvSpPr txBox="1"/>
+          <p:nvPr/>
+        </p:nvSpPr>
+        <p:spPr>
+          <a:xfrm>
+            <a:off x="4605791" y="5299796"/>
+            <a:ext cx="1066863" cy="246221"/>
+          </a:xfrm>
+          <a:prstGeom prst="rect">
+            <a:avLst/>
+          </a:prstGeom>
+          <a:noFill/>
+          <a:ln>
+            <a:noFill/>
+          </a:ln>
+        </p:spPr>
+        <p:txBody>
+          <a:bodyPr wrap="square" rtlCol="0">
+            <a:spAutoFit/>
+          </a:bodyPr>
+          <a:lstStyle/>
+          <a:p>
+            <a:pPr algn="ctr"/>
+            <a:r>
+              <a:rPr lang="en-US" sz="1000" dirty="0">
+                <a:latin typeface="Arial" panose="020B0604020202020204" pitchFamily="34" charset="0"/>
+                <a:cs typeface="Arial" panose="020B0604020202020204" pitchFamily="34" charset="0"/>
+              </a:rPr>
+              <a:t>False</a:t>
+            </a:r>
+          </a:p>
+        </p:txBody>
+      </p:sp>
+      <p:sp>
+        <p:nvSpPr>
+          <p:cNvPr id="26" name="TextBox 25">
+            <a:extLst>
+              <a:ext uri="{FF2B5EF4-FFF2-40B4-BE49-F238E27FC236}">
+                <a16:creationId xmlns:a16="http://schemas.microsoft.com/office/drawing/2014/main" id="{6C176D98-E677-0DC8-237A-94B7958DA536}"/>
               </a:ext>
             </a:extLst>
           </p:cNvPr>
@@ -4330,7 +7892,7 @@
           <p:cNvPr id="27" name="TextBox 26">
             <a:extLst>
               <a:ext uri="{FF2B5EF4-FFF2-40B4-BE49-F238E27FC236}">
-                <a16:creationId xmlns:a16="http://schemas.microsoft.com/office/drawing/2014/main" id="{AFC58E3E-5314-28FE-D608-F093890A2682}"/>
+                <a16:creationId xmlns:a16="http://schemas.microsoft.com/office/drawing/2014/main" id="{B04550B6-BB8E-D8A4-7081-9F95962BDAEE}"/>
               </a:ext>
             </a:extLst>
           </p:cNvPr>
@@ -4375,7 +7937,7 @@
           <p:cNvPr id="31" name="TextBox 30">
             <a:extLst>
               <a:ext uri="{FF2B5EF4-FFF2-40B4-BE49-F238E27FC236}">
-                <a16:creationId xmlns:a16="http://schemas.microsoft.com/office/drawing/2014/main" id="{883018CF-B463-AD0E-F915-F098E42711ED}"/>
+                <a16:creationId xmlns:a16="http://schemas.microsoft.com/office/drawing/2014/main" id="{32CB7AE5-780B-96D2-5D6A-4041FC1B20C5}"/>
               </a:ext>
             </a:extLst>
           </p:cNvPr>
@@ -4417,7 +7979,7 @@
           <p:cNvPr id="32" name="TextBox 31">
             <a:extLst>
               <a:ext uri="{FF2B5EF4-FFF2-40B4-BE49-F238E27FC236}">
-                <a16:creationId xmlns:a16="http://schemas.microsoft.com/office/drawing/2014/main" id="{D805F7AF-E1B3-9D78-551F-6D429E1834BF}"/>
+                <a16:creationId xmlns:a16="http://schemas.microsoft.com/office/drawing/2014/main" id="{A292BACD-BC84-E4F2-7C2A-4E8F0100F465}"/>
               </a:ext>
             </a:extLst>
           </p:cNvPr>
@@ -4459,7 +8021,7 @@
           <p:cNvPr id="33" name="TextBox 32">
             <a:extLst>
               <a:ext uri="{FF2B5EF4-FFF2-40B4-BE49-F238E27FC236}">
-                <a16:creationId xmlns:a16="http://schemas.microsoft.com/office/drawing/2014/main" id="{0BF0EC1A-7CDD-C5D8-84B9-3B1633FD812D}"/>
+                <a16:creationId xmlns:a16="http://schemas.microsoft.com/office/drawing/2014/main" id="{5CD1078D-3578-2C84-A144-73A48256C205}"/>
               </a:ext>
             </a:extLst>
           </p:cNvPr>
@@ -4501,7 +8063,7 @@
           <p:cNvPr id="34" name="TextBox 33">
             <a:extLst>
               <a:ext uri="{FF2B5EF4-FFF2-40B4-BE49-F238E27FC236}">
-                <a16:creationId xmlns:a16="http://schemas.microsoft.com/office/drawing/2014/main" id="{BCA4C65F-286C-9AC4-EF6D-47D8CDD4DFC7}"/>
+                <a16:creationId xmlns:a16="http://schemas.microsoft.com/office/drawing/2014/main" id="{435BD828-254C-5E1B-6D43-F214BE94EDA4}"/>
               </a:ext>
             </a:extLst>
           </p:cNvPr>
@@ -4543,7 +8105,7 @@
           <p:cNvPr id="35" name="TextBox 34">
             <a:extLst>
               <a:ext uri="{FF2B5EF4-FFF2-40B4-BE49-F238E27FC236}">
-                <a16:creationId xmlns:a16="http://schemas.microsoft.com/office/drawing/2014/main" id="{25028200-1D15-8DF1-EA88-0651B77009A8}"/>
+                <a16:creationId xmlns:a16="http://schemas.microsoft.com/office/drawing/2014/main" id="{8DBE35D4-7703-655D-A2FB-E8A35281CE01}"/>
               </a:ext>
             </a:extLst>
           </p:cNvPr>
@@ -4589,7 +8151,7 @@
           <p:cNvPr id="36" name="TextBox 35">
             <a:extLst>
               <a:ext uri="{FF2B5EF4-FFF2-40B4-BE49-F238E27FC236}">
-                <a16:creationId xmlns:a16="http://schemas.microsoft.com/office/drawing/2014/main" id="{5FE06422-099E-A51D-9908-48F739F9290A}"/>
+                <a16:creationId xmlns:a16="http://schemas.microsoft.com/office/drawing/2014/main" id="{A2A1EFD9-E8AC-8F80-D10E-A1247A2B4256}"/>
               </a:ext>
             </a:extLst>
           </p:cNvPr>
@@ -4631,7 +8193,7 @@
           <p:cNvPr id="37" name="TextBox 36">
             <a:extLst>
               <a:ext uri="{FF2B5EF4-FFF2-40B4-BE49-F238E27FC236}">
-                <a16:creationId xmlns:a16="http://schemas.microsoft.com/office/drawing/2014/main" id="{30368F84-3E8F-E973-249D-42F56372B7ED}"/>
+                <a16:creationId xmlns:a16="http://schemas.microsoft.com/office/drawing/2014/main" id="{3F33ED4A-4B4D-8B02-8D9C-4B79A5BE8230}"/>
               </a:ext>
             </a:extLst>
           </p:cNvPr>
@@ -4677,7 +8239,7 @@
           <p:cNvPr id="38" name="TextBox 37">
             <a:extLst>
               <a:ext uri="{FF2B5EF4-FFF2-40B4-BE49-F238E27FC236}">
-                <a16:creationId xmlns:a16="http://schemas.microsoft.com/office/drawing/2014/main" id="{9E4C23CF-7D6D-2E36-127D-748EA758ACE3}"/>
+                <a16:creationId xmlns:a16="http://schemas.microsoft.com/office/drawing/2014/main" id="{A20E4371-6C3C-08D6-7252-505B19B121FC}"/>
               </a:ext>
             </a:extLst>
           </p:cNvPr>
@@ -4719,7 +8281,7 @@
           <p:cNvPr id="7" name="TextBox 6">
             <a:extLst>
               <a:ext uri="{FF2B5EF4-FFF2-40B4-BE49-F238E27FC236}">
-                <a16:creationId xmlns:a16="http://schemas.microsoft.com/office/drawing/2014/main" id="{A66EE19A-B3F2-FB5D-FCC6-73E571886704}"/>
+                <a16:creationId xmlns:a16="http://schemas.microsoft.com/office/drawing/2014/main" id="{587CE477-E2D3-2DBF-1E69-C3114AF23507}"/>
               </a:ext>
             </a:extLst>
           </p:cNvPr>
@@ -4761,7 +8323,7 @@
           <p:cNvPr id="10" name="TextBox 9">
             <a:extLst>
               <a:ext uri="{FF2B5EF4-FFF2-40B4-BE49-F238E27FC236}">
-                <a16:creationId xmlns:a16="http://schemas.microsoft.com/office/drawing/2014/main" id="{AD766AF9-1BE5-FFE4-69CC-F6C019AEBDB6}"/>
+                <a16:creationId xmlns:a16="http://schemas.microsoft.com/office/drawing/2014/main" id="{8D041BE8-89C6-FB9B-F8D7-FF36CBD18010}"/>
               </a:ext>
             </a:extLst>
           </p:cNvPr>
@@ -4803,7 +8365,7 @@
           <p:cNvPr id="11" name="TextBox 10">
             <a:extLst>
               <a:ext uri="{FF2B5EF4-FFF2-40B4-BE49-F238E27FC236}">
-                <a16:creationId xmlns:a16="http://schemas.microsoft.com/office/drawing/2014/main" id="{C20ECA47-BDE9-052A-5BC5-58AFB0CB34CC}"/>
+                <a16:creationId xmlns:a16="http://schemas.microsoft.com/office/drawing/2014/main" id="{38E6FAD5-C5CA-9724-7DC2-2B0097D218A1}"/>
               </a:ext>
             </a:extLst>
           </p:cNvPr>
@@ -4845,7 +8407,7 @@
           <p:cNvPr id="28" name="TextBox 27">
             <a:extLst>
               <a:ext uri="{FF2B5EF4-FFF2-40B4-BE49-F238E27FC236}">
-                <a16:creationId xmlns:a16="http://schemas.microsoft.com/office/drawing/2014/main" id="{A6445AAF-81D5-66A7-371C-2117282F66E3}"/>
+                <a16:creationId xmlns:a16="http://schemas.microsoft.com/office/drawing/2014/main" id="{FBC00260-66F9-B4E4-5292-19DF83271036}"/>
               </a:ext>
             </a:extLst>
           </p:cNvPr>
@@ -4887,7 +8449,7 @@
           <p:cNvPr id="29" name="TextBox 28">
             <a:extLst>
               <a:ext uri="{FF2B5EF4-FFF2-40B4-BE49-F238E27FC236}">
-                <a16:creationId xmlns:a16="http://schemas.microsoft.com/office/drawing/2014/main" id="{D03591A9-6017-3942-50DD-AEE54E9AEEC8}"/>
+                <a16:creationId xmlns:a16="http://schemas.microsoft.com/office/drawing/2014/main" id="{0C6E60BE-3121-AA50-9DE2-1B1679B8D2AB}"/>
               </a:ext>
             </a:extLst>
           </p:cNvPr>
@@ -4939,7 +8501,7 @@
           <p:cNvPr id="30" name="TextBox 29">
             <a:extLst>
               <a:ext uri="{FF2B5EF4-FFF2-40B4-BE49-F238E27FC236}">
-                <a16:creationId xmlns:a16="http://schemas.microsoft.com/office/drawing/2014/main" id="{C00EA236-935F-EF6C-4ED4-8AF73DE70985}"/>
+                <a16:creationId xmlns:a16="http://schemas.microsoft.com/office/drawing/2014/main" id="{5FA791CF-5F69-6627-C438-BFE9D35428B6}"/>
               </a:ext>
             </a:extLst>
           </p:cNvPr>
@@ -4981,7 +8543,7 @@
           <p:cNvPr id="39" name="TextBox 38">
             <a:extLst>
               <a:ext uri="{FF2B5EF4-FFF2-40B4-BE49-F238E27FC236}">
-                <a16:creationId xmlns:a16="http://schemas.microsoft.com/office/drawing/2014/main" id="{97492F51-0387-1CD9-040A-C9D874054716}"/>
+                <a16:creationId xmlns:a16="http://schemas.microsoft.com/office/drawing/2014/main" id="{66BF2060-66AF-70C7-0453-9CFECDEE8756}"/>
               </a:ext>
             </a:extLst>
           </p:cNvPr>
@@ -5023,7 +8585,7 @@
           <p:cNvPr id="40" name="TextBox 39">
             <a:extLst>
               <a:ext uri="{FF2B5EF4-FFF2-40B4-BE49-F238E27FC236}">
-                <a16:creationId xmlns:a16="http://schemas.microsoft.com/office/drawing/2014/main" id="{4558B6B8-8D44-79EC-AACE-B90F1076AD52}"/>
+                <a16:creationId xmlns:a16="http://schemas.microsoft.com/office/drawing/2014/main" id="{E1845E5A-E64C-7BC6-A177-2BBF35723E1E}"/>
               </a:ext>
             </a:extLst>
           </p:cNvPr>
@@ -5069,7 +8631,7 @@
           <p:cNvPr id="41" name="TextBox 40">
             <a:extLst>
               <a:ext uri="{FF2B5EF4-FFF2-40B4-BE49-F238E27FC236}">
-                <a16:creationId xmlns:a16="http://schemas.microsoft.com/office/drawing/2014/main" id="{50450F6F-3F27-1654-7693-7A115666AB73}"/>
+                <a16:creationId xmlns:a16="http://schemas.microsoft.com/office/drawing/2014/main" id="{B8DB93CF-DE87-E6BE-E414-FB8BC6CF535F}"/>
               </a:ext>
             </a:extLst>
           </p:cNvPr>
@@ -5115,7 +8677,7 @@
           <p:cNvPr id="42" name="TextBox 41">
             <a:extLst>
               <a:ext uri="{FF2B5EF4-FFF2-40B4-BE49-F238E27FC236}">
-                <a16:creationId xmlns:a16="http://schemas.microsoft.com/office/drawing/2014/main" id="{783904B1-EE41-9317-A74A-36BDE6397A76}"/>
+                <a16:creationId xmlns:a16="http://schemas.microsoft.com/office/drawing/2014/main" id="{4E2576BE-E863-24B3-764A-03994AA19346}"/>
               </a:ext>
             </a:extLst>
           </p:cNvPr>
@@ -5157,7 +8719,7 @@
           <p:cNvPr id="43" name="TextBox 42">
             <a:extLst>
               <a:ext uri="{FF2B5EF4-FFF2-40B4-BE49-F238E27FC236}">
-                <a16:creationId xmlns:a16="http://schemas.microsoft.com/office/drawing/2014/main" id="{323A3040-AB5D-A613-B519-343604999D1E}"/>
+                <a16:creationId xmlns:a16="http://schemas.microsoft.com/office/drawing/2014/main" id="{FEC91349-9CC5-B788-0753-9420EA1B4961}"/>
               </a:ext>
             </a:extLst>
           </p:cNvPr>
@@ -5199,7 +8761,7 @@
           <p:cNvPr id="44" name="TextBox 43">
             <a:extLst>
               <a:ext uri="{FF2B5EF4-FFF2-40B4-BE49-F238E27FC236}">
-                <a16:creationId xmlns:a16="http://schemas.microsoft.com/office/drawing/2014/main" id="{CE4C8653-A69D-415C-946A-581A85353811}"/>
+                <a16:creationId xmlns:a16="http://schemas.microsoft.com/office/drawing/2014/main" id="{EAA1D889-3DA5-A9A5-99D3-844E58961E6A}"/>
               </a:ext>
             </a:extLst>
           </p:cNvPr>
@@ -5241,7 +8803,7 @@
           <p:cNvPr id="45" name="TextBox 44">
             <a:extLst>
               <a:ext uri="{FF2B5EF4-FFF2-40B4-BE49-F238E27FC236}">
-                <a16:creationId xmlns:a16="http://schemas.microsoft.com/office/drawing/2014/main" id="{A583D764-38F7-08CF-87DB-981D8D3ED90C}"/>
+                <a16:creationId xmlns:a16="http://schemas.microsoft.com/office/drawing/2014/main" id="{E5E90170-DEA5-FCA4-54F4-68B24DFE84E5}"/>
               </a:ext>
             </a:extLst>
           </p:cNvPr>
@@ -5283,7 +8845,7 @@
           <p:cNvPr id="46" name="TextBox 45">
             <a:extLst>
               <a:ext uri="{FF2B5EF4-FFF2-40B4-BE49-F238E27FC236}">
-                <a16:creationId xmlns:a16="http://schemas.microsoft.com/office/drawing/2014/main" id="{56D0F520-BE6F-A78C-0BA0-511EC6D2095B}"/>
+                <a16:creationId xmlns:a16="http://schemas.microsoft.com/office/drawing/2014/main" id="{DBBCC8E3-1B2B-067D-E2E2-E4140F3D0C56}"/>
               </a:ext>
             </a:extLst>
           </p:cNvPr>
@@ -5328,7 +8890,7 @@
           <p:cNvPr id="47" name="TextBox 46">
             <a:extLst>
               <a:ext uri="{FF2B5EF4-FFF2-40B4-BE49-F238E27FC236}">
-                <a16:creationId xmlns:a16="http://schemas.microsoft.com/office/drawing/2014/main" id="{4EFAD4B6-AB08-1283-530D-B5E5406C26F0}"/>
+                <a16:creationId xmlns:a16="http://schemas.microsoft.com/office/drawing/2014/main" id="{DA43E246-8743-879D-D390-BA235A1081EC}"/>
               </a:ext>
             </a:extLst>
           </p:cNvPr>
@@ -5370,7 +8932,7 @@
           <p:cNvPr id="48" name="TextBox 47">
             <a:extLst>
               <a:ext uri="{FF2B5EF4-FFF2-40B4-BE49-F238E27FC236}">
-                <a16:creationId xmlns:a16="http://schemas.microsoft.com/office/drawing/2014/main" id="{445C08C1-AFA9-C83C-0DBF-358DAB013BF7}"/>
+                <a16:creationId xmlns:a16="http://schemas.microsoft.com/office/drawing/2014/main" id="{6BDC616E-2889-72FF-B751-9328261E0A69}"/>
               </a:ext>
             </a:extLst>
           </p:cNvPr>
@@ -5412,7 +8974,7 @@
           <p:cNvPr id="49" name="TextBox 48">
             <a:extLst>
               <a:ext uri="{FF2B5EF4-FFF2-40B4-BE49-F238E27FC236}">
-                <a16:creationId xmlns:a16="http://schemas.microsoft.com/office/drawing/2014/main" id="{71ABC646-235F-2125-2445-A314EBFB10F7}"/>
+                <a16:creationId xmlns:a16="http://schemas.microsoft.com/office/drawing/2014/main" id="{9E530599-83FF-022D-AF76-C27ED78ECC18}"/>
               </a:ext>
             </a:extLst>
           </p:cNvPr>
@@ -5454,7 +9016,7 @@
           <p:cNvPr id="50" name="TextBox 49">
             <a:extLst>
               <a:ext uri="{FF2B5EF4-FFF2-40B4-BE49-F238E27FC236}">
-                <a16:creationId xmlns:a16="http://schemas.microsoft.com/office/drawing/2014/main" id="{12361291-2011-5658-A35C-96CC1CD48AF0}"/>
+                <a16:creationId xmlns:a16="http://schemas.microsoft.com/office/drawing/2014/main" id="{99309CE7-493A-0875-D0DB-4D552514A8E5}"/>
               </a:ext>
             </a:extLst>
           </p:cNvPr>
@@ -5496,7 +9058,7 @@
           <p:cNvPr id="61" name="TextBox 60">
             <a:extLst>
               <a:ext uri="{FF2B5EF4-FFF2-40B4-BE49-F238E27FC236}">
-                <a16:creationId xmlns:a16="http://schemas.microsoft.com/office/drawing/2014/main" id="{1BAFE055-9B49-4F90-073C-4D7B7E7B8D23}"/>
+                <a16:creationId xmlns:a16="http://schemas.microsoft.com/office/drawing/2014/main" id="{D53316BF-9E64-266D-F66C-334185508195}"/>
               </a:ext>
             </a:extLst>
           </p:cNvPr>
@@ -5538,7 +9100,7 @@
           <p:cNvPr id="62" name="TextBox 61">
             <a:extLst>
               <a:ext uri="{FF2B5EF4-FFF2-40B4-BE49-F238E27FC236}">
-                <a16:creationId xmlns:a16="http://schemas.microsoft.com/office/drawing/2014/main" id="{7B23019A-662D-C8DD-DECB-1E5C1D74529A}"/>
+                <a16:creationId xmlns:a16="http://schemas.microsoft.com/office/drawing/2014/main" id="{F6552DBA-9F39-AB3B-7E8D-7AE45E9A3E82}"/>
               </a:ext>
             </a:extLst>
           </p:cNvPr>
@@ -5580,7 +9142,7 @@
           <p:cNvPr id="63" name="TextBox 62">
             <a:extLst>
               <a:ext uri="{FF2B5EF4-FFF2-40B4-BE49-F238E27FC236}">
-                <a16:creationId xmlns:a16="http://schemas.microsoft.com/office/drawing/2014/main" id="{B2E2E90B-B63F-5F0D-FD75-7A38F4FC27E6}"/>
+                <a16:creationId xmlns:a16="http://schemas.microsoft.com/office/drawing/2014/main" id="{CE1B068E-EE1B-C480-AFA4-EC7013ED6AD8}"/>
               </a:ext>
             </a:extLst>
           </p:cNvPr>
@@ -5622,7 +9184,7 @@
           <p:cNvPr id="64" name="TextBox 63">
             <a:extLst>
               <a:ext uri="{FF2B5EF4-FFF2-40B4-BE49-F238E27FC236}">
-                <a16:creationId xmlns:a16="http://schemas.microsoft.com/office/drawing/2014/main" id="{29B86CDA-6EE6-FDC2-3189-E531E300A54E}"/>
+                <a16:creationId xmlns:a16="http://schemas.microsoft.com/office/drawing/2014/main" id="{1DF8C254-DBC4-F3F5-2341-E1E3BA3D569A}"/>
               </a:ext>
             </a:extLst>
           </p:cNvPr>
@@ -5664,7 +9226,7 @@
           <p:cNvPr id="65" name="TextBox 64">
             <a:extLst>
               <a:ext uri="{FF2B5EF4-FFF2-40B4-BE49-F238E27FC236}">
-                <a16:creationId xmlns:a16="http://schemas.microsoft.com/office/drawing/2014/main" id="{17EBBF58-6E67-EFEB-2CE8-62E74362E7A7}"/>
+                <a16:creationId xmlns:a16="http://schemas.microsoft.com/office/drawing/2014/main" id="{73E91BD6-A743-43EB-5F17-360FF285107E}"/>
               </a:ext>
             </a:extLst>
           </p:cNvPr>
@@ -5709,7 +9271,7 @@
           <p:cNvPr id="66" name="TextBox 65">
             <a:extLst>
               <a:ext uri="{FF2B5EF4-FFF2-40B4-BE49-F238E27FC236}">
-                <a16:creationId xmlns:a16="http://schemas.microsoft.com/office/drawing/2014/main" id="{F9B3FB25-ED22-49C8-CBBE-35310078C617}"/>
+                <a16:creationId xmlns:a16="http://schemas.microsoft.com/office/drawing/2014/main" id="{5F0AA4FF-8C98-D576-7D1F-F904022081A6}"/>
               </a:ext>
             </a:extLst>
           </p:cNvPr>
@@ -5751,7 +9313,7 @@
           <p:cNvPr id="67" name="TextBox 66">
             <a:extLst>
               <a:ext uri="{FF2B5EF4-FFF2-40B4-BE49-F238E27FC236}">
-                <a16:creationId xmlns:a16="http://schemas.microsoft.com/office/drawing/2014/main" id="{05A80642-BA35-33C3-A012-A60B4BB424FA}"/>
+                <a16:creationId xmlns:a16="http://schemas.microsoft.com/office/drawing/2014/main" id="{D97991D6-B6BE-886A-1BD9-6B13F814332A}"/>
               </a:ext>
             </a:extLst>
           </p:cNvPr>
@@ -5793,7 +9355,7 @@
           <p:cNvPr id="68" name="TextBox 67">
             <a:extLst>
               <a:ext uri="{FF2B5EF4-FFF2-40B4-BE49-F238E27FC236}">
-                <a16:creationId xmlns:a16="http://schemas.microsoft.com/office/drawing/2014/main" id="{35DD07A2-78FC-B7E6-2770-0564C54E3C1F}"/>
+                <a16:creationId xmlns:a16="http://schemas.microsoft.com/office/drawing/2014/main" id="{87FF240A-DD56-5343-14BA-3B0E3BDEB454}"/>
               </a:ext>
             </a:extLst>
           </p:cNvPr>
@@ -5835,7 +9397,7 @@
           <p:cNvPr id="69" name="TextBox 68">
             <a:extLst>
               <a:ext uri="{FF2B5EF4-FFF2-40B4-BE49-F238E27FC236}">
-                <a16:creationId xmlns:a16="http://schemas.microsoft.com/office/drawing/2014/main" id="{DC53B881-F5C0-786C-0591-05869AC021A6}"/>
+                <a16:creationId xmlns:a16="http://schemas.microsoft.com/office/drawing/2014/main" id="{DE472E45-6063-D279-98D2-570F3D08C973}"/>
               </a:ext>
             </a:extLst>
           </p:cNvPr>
@@ -5877,7 +9439,7 @@
           <p:cNvPr id="70" name="TextBox 69">
             <a:extLst>
               <a:ext uri="{FF2B5EF4-FFF2-40B4-BE49-F238E27FC236}">
-                <a16:creationId xmlns:a16="http://schemas.microsoft.com/office/drawing/2014/main" id="{3C7D8780-E5A3-86BD-F6A0-598DB289C7C2}"/>
+                <a16:creationId xmlns:a16="http://schemas.microsoft.com/office/drawing/2014/main" id="{B1FC3449-A9DA-F829-F25C-AFA1B09F5FAF}"/>
               </a:ext>
             </a:extLst>
           </p:cNvPr>
@@ -5919,7 +9481,7 @@
           <p:cNvPr id="71" name="TextBox 70">
             <a:extLst>
               <a:ext uri="{FF2B5EF4-FFF2-40B4-BE49-F238E27FC236}">
-                <a16:creationId xmlns:a16="http://schemas.microsoft.com/office/drawing/2014/main" id="{8409AC3F-A707-27E8-9CD1-4D953B2E1ADA}"/>
+                <a16:creationId xmlns:a16="http://schemas.microsoft.com/office/drawing/2014/main" id="{D0388E23-2E06-0721-592D-AF7B5329DFC2}"/>
               </a:ext>
             </a:extLst>
           </p:cNvPr>
@@ -5961,7 +9523,7 @@
           <p:cNvPr id="72" name="TextBox 71">
             <a:extLst>
               <a:ext uri="{FF2B5EF4-FFF2-40B4-BE49-F238E27FC236}">
-                <a16:creationId xmlns:a16="http://schemas.microsoft.com/office/drawing/2014/main" id="{331A1301-F9AD-7AC5-749F-24966E96BB7A}"/>
+                <a16:creationId xmlns:a16="http://schemas.microsoft.com/office/drawing/2014/main" id="{1C65D5E9-203F-8F8D-2F59-9361BECB326C}"/>
               </a:ext>
             </a:extLst>
           </p:cNvPr>
@@ -6003,7 +9565,7 @@
           <p:cNvPr id="2" name="TextBox 1">
             <a:extLst>
               <a:ext uri="{FF2B5EF4-FFF2-40B4-BE49-F238E27FC236}">
-                <a16:creationId xmlns:a16="http://schemas.microsoft.com/office/drawing/2014/main" id="{56C10BA3-DF10-7340-357A-C36C2FE44C4B}"/>
+                <a16:creationId xmlns:a16="http://schemas.microsoft.com/office/drawing/2014/main" id="{3A19CDC2-23B9-2592-6F2F-2067535B05BF}"/>
               </a:ext>
             </a:extLst>
           </p:cNvPr>
@@ -6045,7 +9607,7 @@
           <p:cNvPr id="51" name="TextBox 50">
             <a:extLst>
               <a:ext uri="{FF2B5EF4-FFF2-40B4-BE49-F238E27FC236}">
-                <a16:creationId xmlns:a16="http://schemas.microsoft.com/office/drawing/2014/main" id="{77447261-C738-9BFE-FEDC-3B3B15534FA4}"/>
+                <a16:creationId xmlns:a16="http://schemas.microsoft.com/office/drawing/2014/main" id="{9AD0A9E5-271C-FD7E-4C0F-7E4ECDA02AF9}"/>
               </a:ext>
             </a:extLst>
           </p:cNvPr>
@@ -6087,7 +9649,7 @@
           <p:cNvPr id="52" name="TextBox 51">
             <a:extLst>
               <a:ext uri="{FF2B5EF4-FFF2-40B4-BE49-F238E27FC236}">
-                <a16:creationId xmlns:a16="http://schemas.microsoft.com/office/drawing/2014/main" id="{9CE44E29-B2C6-6CB4-41AE-D99C563F33BB}"/>
+                <a16:creationId xmlns:a16="http://schemas.microsoft.com/office/drawing/2014/main" id="{11DCD8D2-6FEA-80DB-23E3-33EADB7FD746}"/>
               </a:ext>
             </a:extLst>
           </p:cNvPr>
@@ -6129,7 +9691,7 @@
           <p:cNvPr id="53" name="TextBox 52">
             <a:extLst>
               <a:ext uri="{FF2B5EF4-FFF2-40B4-BE49-F238E27FC236}">
-                <a16:creationId xmlns:a16="http://schemas.microsoft.com/office/drawing/2014/main" id="{4C94F53B-C127-DAE1-9E83-EEA7624CA431}"/>
+                <a16:creationId xmlns:a16="http://schemas.microsoft.com/office/drawing/2014/main" id="{BB0184AF-AB83-BBBB-6D50-233C959A73EE}"/>
               </a:ext>
             </a:extLst>
           </p:cNvPr>
@@ -6171,7 +9733,7 @@
           <p:cNvPr id="54" name="TextBox 53">
             <a:extLst>
               <a:ext uri="{FF2B5EF4-FFF2-40B4-BE49-F238E27FC236}">
-                <a16:creationId xmlns:a16="http://schemas.microsoft.com/office/drawing/2014/main" id="{C794E1CF-0E53-E677-4763-83D95FA458A2}"/>
+                <a16:creationId xmlns:a16="http://schemas.microsoft.com/office/drawing/2014/main" id="{8B7B1C54-39A1-5B8D-56A5-12F39BCDE711}"/>
               </a:ext>
             </a:extLst>
           </p:cNvPr>
@@ -6216,7 +9778,7 @@
           <p:cNvPr id="55" name="TextBox 54">
             <a:extLst>
               <a:ext uri="{FF2B5EF4-FFF2-40B4-BE49-F238E27FC236}">
-                <a16:creationId xmlns:a16="http://schemas.microsoft.com/office/drawing/2014/main" id="{1B7B729F-2DD2-8E76-B787-B7F08DE6E42F}"/>
+                <a16:creationId xmlns:a16="http://schemas.microsoft.com/office/drawing/2014/main" id="{419F8FD1-068B-B86D-0EC6-FE20C6F0727F}"/>
               </a:ext>
             </a:extLst>
           </p:cNvPr>
@@ -6258,7 +9820,7 @@
           <p:cNvPr id="56" name="TextBox 55">
             <a:extLst>
               <a:ext uri="{FF2B5EF4-FFF2-40B4-BE49-F238E27FC236}">
-                <a16:creationId xmlns:a16="http://schemas.microsoft.com/office/drawing/2014/main" id="{36C43CA6-4035-D184-C874-36A0A03FBA18}"/>
+                <a16:creationId xmlns:a16="http://schemas.microsoft.com/office/drawing/2014/main" id="{F33D2E82-6403-729B-DBEE-F2035FB35BA4}"/>
               </a:ext>
             </a:extLst>
           </p:cNvPr>
@@ -6300,7 +9862,7 @@
           <p:cNvPr id="57" name="TextBox 56">
             <a:extLst>
               <a:ext uri="{FF2B5EF4-FFF2-40B4-BE49-F238E27FC236}">
-                <a16:creationId xmlns:a16="http://schemas.microsoft.com/office/drawing/2014/main" id="{30FE66B5-7142-E3EA-7224-19155C189C4C}"/>
+                <a16:creationId xmlns:a16="http://schemas.microsoft.com/office/drawing/2014/main" id="{EBCD6ADE-3A5D-8697-1127-1191FD93C008}"/>
               </a:ext>
             </a:extLst>
           </p:cNvPr>
@@ -6342,7 +9904,7 @@
           <p:cNvPr id="58" name="TextBox 57">
             <a:extLst>
               <a:ext uri="{FF2B5EF4-FFF2-40B4-BE49-F238E27FC236}">
-                <a16:creationId xmlns:a16="http://schemas.microsoft.com/office/drawing/2014/main" id="{9B47D95F-7D5A-B47D-8827-69FAEDEE9970}"/>
+                <a16:creationId xmlns:a16="http://schemas.microsoft.com/office/drawing/2014/main" id="{4276055F-FA0B-CA84-2675-F1493EA9A61C}"/>
               </a:ext>
             </a:extLst>
           </p:cNvPr>
@@ -6384,7 +9946,7 @@
           <p:cNvPr id="59" name="TextBox 58">
             <a:extLst>
               <a:ext uri="{FF2B5EF4-FFF2-40B4-BE49-F238E27FC236}">
-                <a16:creationId xmlns:a16="http://schemas.microsoft.com/office/drawing/2014/main" id="{413501C5-C885-B5CB-63BE-9B0706751392}"/>
+                <a16:creationId xmlns:a16="http://schemas.microsoft.com/office/drawing/2014/main" id="{09F5C6EC-7A34-D950-A6E8-F87AE7415944}"/>
               </a:ext>
             </a:extLst>
           </p:cNvPr>
@@ -6426,7 +9988,7 @@
           <p:cNvPr id="73" name="TextBox 72">
             <a:extLst>
               <a:ext uri="{FF2B5EF4-FFF2-40B4-BE49-F238E27FC236}">
-                <a16:creationId xmlns:a16="http://schemas.microsoft.com/office/drawing/2014/main" id="{53BDF0F1-DB24-9F5C-F6BE-BAA92A73BD1E}"/>
+                <a16:creationId xmlns:a16="http://schemas.microsoft.com/office/drawing/2014/main" id="{9D818C43-92BF-906C-05CA-82CD5BE21330}"/>
               </a:ext>
             </a:extLst>
           </p:cNvPr>
@@ -6468,7 +10030,7 @@
           <p:cNvPr id="74" name="TextBox 73">
             <a:extLst>
               <a:ext uri="{FF2B5EF4-FFF2-40B4-BE49-F238E27FC236}">
-                <a16:creationId xmlns:a16="http://schemas.microsoft.com/office/drawing/2014/main" id="{7101A8AA-0510-3460-E1C1-5FA75BDB7DA4}"/>
+                <a16:creationId xmlns:a16="http://schemas.microsoft.com/office/drawing/2014/main" id="{95986E2F-5CBD-9D48-E91B-7F8DDEC6FEDB}"/>
               </a:ext>
             </a:extLst>
           </p:cNvPr>
@@ -6510,7 +10072,7 @@
           <p:cNvPr id="75" name="TextBox 74">
             <a:extLst>
               <a:ext uri="{FF2B5EF4-FFF2-40B4-BE49-F238E27FC236}">
-                <a16:creationId xmlns:a16="http://schemas.microsoft.com/office/drawing/2014/main" id="{D723CA63-3FCD-446E-49B6-BDEA2B2E187A}"/>
+                <a16:creationId xmlns:a16="http://schemas.microsoft.com/office/drawing/2014/main" id="{CA4B0F6F-6BD0-644D-BD0E-FD5CAE44325F}"/>
               </a:ext>
             </a:extLst>
           </p:cNvPr>
@@ -6552,7 +10114,7 @@
           <p:cNvPr id="76" name="TextBox 75">
             <a:extLst>
               <a:ext uri="{FF2B5EF4-FFF2-40B4-BE49-F238E27FC236}">
-                <a16:creationId xmlns:a16="http://schemas.microsoft.com/office/drawing/2014/main" id="{593AD904-4BD2-E347-4041-EA227BCC8AB3}"/>
+                <a16:creationId xmlns:a16="http://schemas.microsoft.com/office/drawing/2014/main" id="{09C48D6C-FE3E-5E1C-B66B-831A92FDCA7B}"/>
               </a:ext>
             </a:extLst>
           </p:cNvPr>
@@ -6594,7 +10156,7 @@
           <p:cNvPr id="77" name="TextBox 76">
             <a:extLst>
               <a:ext uri="{FF2B5EF4-FFF2-40B4-BE49-F238E27FC236}">
-                <a16:creationId xmlns:a16="http://schemas.microsoft.com/office/drawing/2014/main" id="{B5A071D0-8F7A-49FC-427E-AF6AF589FEFD}"/>
+                <a16:creationId xmlns:a16="http://schemas.microsoft.com/office/drawing/2014/main" id="{FA3FEDD5-0FE1-8C0E-3D66-AEA33DB2ECC5}"/>
               </a:ext>
             </a:extLst>
           </p:cNvPr>
@@ -6636,7 +10198,7 @@
           <p:cNvPr id="78" name="TextBox 77">
             <a:extLst>
               <a:ext uri="{FF2B5EF4-FFF2-40B4-BE49-F238E27FC236}">
-                <a16:creationId xmlns:a16="http://schemas.microsoft.com/office/drawing/2014/main" id="{16AD672D-DC05-1DAD-0AD5-5F383B5E728B}"/>
+                <a16:creationId xmlns:a16="http://schemas.microsoft.com/office/drawing/2014/main" id="{5EEEAFD2-C5CC-F802-1150-C49B4773D855}"/>
               </a:ext>
             </a:extLst>
           </p:cNvPr>
@@ -6678,7 +10240,7 @@
           <p:cNvPr id="79" name="TextBox 78">
             <a:extLst>
               <a:ext uri="{FF2B5EF4-FFF2-40B4-BE49-F238E27FC236}">
-                <a16:creationId xmlns:a16="http://schemas.microsoft.com/office/drawing/2014/main" id="{10EB999B-BD45-D3EE-D75D-CED1E7D6B979}"/>
+                <a16:creationId xmlns:a16="http://schemas.microsoft.com/office/drawing/2014/main" id="{01A8237A-348E-0D71-AEA0-758219AA6259}"/>
               </a:ext>
             </a:extLst>
           </p:cNvPr>
@@ -6718,7 +10280,7 @@
     </p:spTree>
     <p:extLst>
       <p:ext uri="{BB962C8B-B14F-4D97-AF65-F5344CB8AC3E}">
-        <p14:creationId xmlns:p14="http://schemas.microsoft.com/office/powerpoint/2010/main" val="1276920188"/>
+        <p14:creationId xmlns:p14="http://schemas.microsoft.com/office/powerpoint/2010/main" val="2837274521"/>
       </p:ext>
     </p:extLst>
   </p:cSld>
